--- a/课程学习/LS01/ch01.pptx
+++ b/课程学习/LS01/ch01.pptx
@@ -5,31 +5,31 @@
     <p:sldMasterId id="2147483648" r:id="rId1"/>
   </p:sldMasterIdLst>
   <p:notesMasterIdLst>
-    <p:notesMasterId r:id="rId6"/>
+    <p:notesMasterId r:id="rId24"/>
   </p:notesMasterIdLst>
   <p:sldIdLst>
-    <p:sldId id="773" r:id="rId3"/>
-    <p:sldId id="888" r:id="rId4"/>
-    <p:sldId id="860" r:id="rId5"/>
-    <p:sldId id="1031" r:id="rId7"/>
-    <p:sldId id="926" r:id="rId8"/>
-    <p:sldId id="1001" r:id="rId9"/>
-    <p:sldId id="1002" r:id="rId10"/>
-    <p:sldId id="1032" r:id="rId11"/>
-    <p:sldId id="1033" r:id="rId12"/>
-    <p:sldId id="1034" r:id="rId13"/>
-    <p:sldId id="905" r:id="rId14"/>
-    <p:sldId id="858" r:id="rId15"/>
-    <p:sldId id="850" r:id="rId16"/>
-    <p:sldId id="976" r:id="rId17"/>
-    <p:sldId id="851" r:id="rId18"/>
-    <p:sldId id="909" r:id="rId19"/>
-    <p:sldId id="852" r:id="rId20"/>
-    <p:sldId id="913" r:id="rId21"/>
-    <p:sldId id="1004" r:id="rId22"/>
-    <p:sldId id="994" r:id="rId23"/>
-    <p:sldId id="794" r:id="rId24"/>
-    <p:sldId id="995" r:id="rId25"/>
+    <p:sldId id="773" r:id="rId2"/>
+    <p:sldId id="888" r:id="rId3"/>
+    <p:sldId id="860" r:id="rId4"/>
+    <p:sldId id="1031" r:id="rId5"/>
+    <p:sldId id="926" r:id="rId6"/>
+    <p:sldId id="1001" r:id="rId7"/>
+    <p:sldId id="1002" r:id="rId8"/>
+    <p:sldId id="1032" r:id="rId9"/>
+    <p:sldId id="1033" r:id="rId10"/>
+    <p:sldId id="1034" r:id="rId11"/>
+    <p:sldId id="905" r:id="rId12"/>
+    <p:sldId id="858" r:id="rId13"/>
+    <p:sldId id="850" r:id="rId14"/>
+    <p:sldId id="976" r:id="rId15"/>
+    <p:sldId id="851" r:id="rId16"/>
+    <p:sldId id="909" r:id="rId17"/>
+    <p:sldId id="852" r:id="rId18"/>
+    <p:sldId id="913" r:id="rId19"/>
+    <p:sldId id="1004" r:id="rId20"/>
+    <p:sldId id="994" r:id="rId21"/>
+    <p:sldId id="794" r:id="rId22"/>
+    <p:sldId id="995" r:id="rId23"/>
   </p:sldIdLst>
   <p:sldSz cx="12192000" cy="6858000"/>
   <p:notesSz cx="6797675" cy="9928225"/>
@@ -158,6 +158,27 @@
       </a:defRPr>
     </a:lvl9pPr>
   </p:defaultTextStyle>
+  <p:extLst>
+    <p:ext uri="{EFAFB233-063F-42B5-8137-9DF3F51BA10A}">
+      <p15:sldGuideLst xmlns:p15="http://schemas.microsoft.com/office/powerpoint/2012/main">
+        <p15:guide id="1" orient="horz" pos="1584">
+          <p15:clr>
+            <a:srgbClr val="A4A3A4"/>
+          </p15:clr>
+        </p15:guide>
+        <p15:guide id="2" pos="1856">
+          <p15:clr>
+            <a:srgbClr val="A4A3A4"/>
+          </p15:clr>
+        </p15:guide>
+        <p15:guide id="3" pos="7499">
+          <p15:clr>
+            <a:srgbClr val="A4A3A4"/>
+          </p15:clr>
+        </p15:guide>
+      </p15:sldGuideLst>
+    </p:ext>
+  </p:extLst>
 </p:presentation>
 </file>
 
@@ -345,42 +366,37 @@
           <a:p>
             <a:pPr lvl="0"/>
             <a:r>
-              <a:rPr lang="zh-CN" altLang="zh-CN" noProof="0" smtClean="0"/>
+              <a:rPr lang="zh-CN" altLang="zh-CN" noProof="0"/>
               <a:t>                                                   </a:t>
             </a:r>
-            <a:endParaRPr lang="zh-CN" altLang="zh-CN" noProof="0" smtClean="0"/>
           </a:p>
           <a:p>
             <a:pPr lvl="1"/>
             <a:r>
-              <a:rPr lang="zh-CN" altLang="zh-CN" noProof="0" smtClean="0"/>
+              <a:rPr lang="zh-CN" altLang="zh-CN" noProof="0"/>
               <a:t>               </a:t>
             </a:r>
-            <a:endParaRPr lang="zh-CN" altLang="zh-CN" noProof="0" smtClean="0"/>
           </a:p>
           <a:p>
             <a:pPr lvl="2"/>
             <a:r>
-              <a:rPr lang="zh-CN" altLang="zh-CN" noProof="0" smtClean="0"/>
+              <a:rPr lang="zh-CN" altLang="zh-CN" noProof="0"/>
               <a:t>                </a:t>
             </a:r>
-            <a:endParaRPr lang="zh-CN" altLang="zh-CN" noProof="0" smtClean="0"/>
           </a:p>
           <a:p>
             <a:pPr lvl="3"/>
             <a:r>
-              <a:rPr lang="zh-CN" altLang="zh-CN" noProof="0" smtClean="0"/>
+              <a:rPr lang="zh-CN" altLang="zh-CN" noProof="0"/>
               <a:t>                </a:t>
             </a:r>
-            <a:endParaRPr lang="zh-CN" altLang="zh-CN" noProof="0" smtClean="0"/>
           </a:p>
           <a:p>
             <a:pPr lvl="4"/>
             <a:r>
-              <a:rPr lang="zh-CN" altLang="zh-CN" noProof="0" smtClean="0"/>
+              <a:rPr lang="zh-CN" altLang="zh-CN" noProof="0"/>
               <a:t>                </a:t>
             </a:r>
-            <a:endParaRPr lang="zh-CN" altLang="zh-CN" noProof="0" smtClean="0"/>
           </a:p>
         </p:txBody>
       </p:sp>
@@ -463,6 +479,7 @@
           <a:p>
             <a:fld id="{213957D2-47E7-42AA-84AB-2E7BBFAF7754}" type="slidenum">
               <a:rPr lang="en-US" altLang="zh-CN"/>
+              <a:t>‹#›</a:t>
             </a:fld>
             <a:endParaRPr lang="zh-CN" altLang="zh-CN"/>
           </a:p>
@@ -667,34 +684,33 @@
           <a:lstStyle/>
           <a:p>
             <a:r>
-              <a:rPr lang="zh-CN" altLang="en-US" smtClean="0"/>
+              <a:rPr lang="zh-CN" altLang="en-US"/>
               <a:t>重视基础，区别于快速培训。课程需要，</a:t>
             </a:r>
             <a:r>
-              <a:rPr lang="en-US" altLang="zh-CN" smtClean="0"/>
+              <a:rPr lang="en-US" altLang="zh-CN"/>
               <a:t>node</a:t>
             </a:r>
             <a:r>
-              <a:rPr lang="zh-CN" altLang="en-US" smtClean="0"/>
+              <a:rPr lang="zh-CN" altLang="en-US"/>
               <a:t>、移动</a:t>
             </a:r>
             <a:r>
-              <a:rPr lang="en-US" altLang="zh-CN" smtClean="0"/>
+              <a:rPr lang="en-US" altLang="zh-CN"/>
               <a:t>web</a:t>
             </a:r>
             <a:r>
-              <a:rPr lang="zh-CN" altLang="en-US" smtClean="0"/>
+              <a:rPr lang="zh-CN" altLang="en-US"/>
               <a:t>开发、混合开发、</a:t>
             </a:r>
             <a:r>
-              <a:rPr lang="en-US" altLang="zh-CN" smtClean="0"/>
+              <a:rPr lang="en-US" altLang="zh-CN"/>
               <a:t>h5</a:t>
             </a:r>
             <a:r>
-              <a:rPr lang="zh-CN" altLang="en-US" smtClean="0"/>
+              <a:rPr lang="zh-CN" altLang="en-US"/>
               <a:t>游戏开发</a:t>
             </a:r>
-            <a:endParaRPr lang="zh-CN" altLang="en-US" smtClean="0"/>
           </a:p>
         </p:txBody>
       </p:sp>
@@ -844,6 +860,7 @@
               <a:rPr lang="en-US" altLang="zh-CN">
                 <a:ea typeface="宋体" panose="02010600030101010101" pitchFamily="2" charset="-122"/>
               </a:rPr>
+              <a:t>3</a:t>
             </a:fld>
             <a:endParaRPr lang="zh-CN" altLang="zh-CN">
               <a:ea typeface="宋体" panose="02010600030101010101" pitchFamily="2" charset="-122"/>
@@ -868,11 +885,20 @@
         <p:cNvGrpSpPr/>
         <p:nvPr/>
       </p:nvGrpSpPr>
-      <p:grpSpPr/>
+      <p:grpSpPr>
+        <a:xfrm>
+          <a:off x="0" y="0"/>
+          <a:ext cx="0" cy="0"/>
+          <a:chOff x="0" y="0"/>
+          <a:chExt cx="0" cy="0"/>
+        </a:xfrm>
+      </p:grpSpPr>
       <p:sp>
         <p:nvSpPr>
           <p:cNvPr id="2" name="幻灯片图像占位符 1"/>
-          <p:cNvSpPr/>
+          <p:cNvSpPr>
+            <a:spLocks noGrp="1" noRot="1" noChangeAspect="1"/>
+          </p:cNvSpPr>
           <p:nvPr>
             <p:ph type="sldImg" idx="2"/>
           </p:nvPr>
@@ -882,7 +908,9 @@
       <p:sp>
         <p:nvSpPr>
           <p:cNvPr id="3" name="文本占位符 2"/>
-          <p:cNvSpPr/>
+          <p:cNvSpPr>
+            <a:spLocks noGrp="1"/>
+          </p:cNvSpPr>
           <p:nvPr>
             <p:ph type="body" idx="3"/>
           </p:nvPr>
@@ -890,26 +918,24 @@
         <p:spPr/>
         <p:txBody>
           <a:bodyPr/>
+          <a:lstStyle/>
           <a:p>
             <a:r>
               <a:rPr lang="zh-CN" altLang="en-US"/>
               <a:t>在1995年时，由Netscape公司的Brendan Eich，在网景导航者浏览器上首次设计实现而成。因为Netscape与Sun合作，Netscape管理层希望它外观看起来像Java，因此取名为JavaScript。但实际上它的语法风格与Self及Scheme较为接近。</a:t>
             </a:r>
-            <a:endParaRPr lang="zh-CN" altLang="en-US"/>
           </a:p>
           <a:p>
             <a:r>
               <a:rPr lang="zh-CN" altLang="en-US"/>
               <a:t>为了取得技术优势，微软推出了JScript，CEnvi推出ScriptEase，与JavaScript同样可在浏览器上运行。为了统一规格，因为JavaScript兼容于ECMA标准，因此也称为ECMAScript。</a:t>
             </a:r>
-            <a:endParaRPr lang="zh-CN" altLang="en-US"/>
           </a:p>
           <a:p>
             <a:r>
               <a:rPr lang="zh-CN" altLang="en-US"/>
               <a:t>发展初期，JavaScript的标准并未确定，同期有Netscape的JavaScript，微软的JScript和CEnvi的ScriptEase三足鼎立。1997年，在ECMA（欧洲计算机制造商协会）的协调下，由Netscape、Sun、微软、Borland组成的工作组确定统一标准：ECMA-262。</a:t>
             </a:r>
-            <a:endParaRPr lang="zh-CN" altLang="en-US"/>
           </a:p>
         </p:txBody>
       </p:sp>
@@ -930,11 +956,20 @@
         <p:cNvGrpSpPr/>
         <p:nvPr/>
       </p:nvGrpSpPr>
-      <p:grpSpPr/>
+      <p:grpSpPr>
+        <a:xfrm>
+          <a:off x="0" y="0"/>
+          <a:ext cx="0" cy="0"/>
+          <a:chOff x="0" y="0"/>
+          <a:chExt cx="0" cy="0"/>
+        </a:xfrm>
+      </p:grpSpPr>
       <p:sp>
         <p:nvSpPr>
           <p:cNvPr id="2" name="幻灯片图像占位符 1"/>
-          <p:cNvSpPr/>
+          <p:cNvSpPr>
+            <a:spLocks noGrp="1" noRot="1" noChangeAspect="1"/>
+          </p:cNvSpPr>
           <p:nvPr>
             <p:ph type="sldImg" idx="2"/>
           </p:nvPr>
@@ -944,7 +979,9 @@
       <p:sp>
         <p:nvSpPr>
           <p:cNvPr id="3" name="文本占位符 2"/>
-          <p:cNvSpPr/>
+          <p:cNvSpPr>
+            <a:spLocks noGrp="1"/>
+          </p:cNvSpPr>
           <p:nvPr>
             <p:ph type="body" idx="3"/>
           </p:nvPr>
@@ -952,6 +989,7 @@
         <p:spPr/>
         <p:txBody>
           <a:bodyPr/>
+          <a:lstStyle/>
           <a:p>
             <a:r>
               <a:rPr lang="zh-CN" altLang="en-US"/>
@@ -1021,9 +1059,6 @@
               </a:rPr>
               <a:t>）</a:t>
             </a:r>
-            <a:endParaRPr lang="zh-CN" altLang="en-US">
-              <a:sym typeface="+mn-ea"/>
-            </a:endParaRPr>
           </a:p>
         </p:txBody>
       </p:sp>
@@ -1044,11 +1079,20 @@
         <p:cNvGrpSpPr/>
         <p:nvPr/>
       </p:nvGrpSpPr>
-      <p:grpSpPr/>
+      <p:grpSpPr>
+        <a:xfrm>
+          <a:off x="0" y="0"/>
+          <a:ext cx="0" cy="0"/>
+          <a:chOff x="0" y="0"/>
+          <a:chExt cx="0" cy="0"/>
+        </a:xfrm>
+      </p:grpSpPr>
       <p:sp>
         <p:nvSpPr>
           <p:cNvPr id="2" name="幻灯片图像占位符 1"/>
-          <p:cNvSpPr/>
+          <p:cNvSpPr>
+            <a:spLocks noGrp="1" noRot="1" noChangeAspect="1"/>
+          </p:cNvSpPr>
           <p:nvPr>
             <p:ph type="sldImg" idx="2"/>
           </p:nvPr>
@@ -1058,7 +1102,9 @@
       <p:sp>
         <p:nvSpPr>
           <p:cNvPr id="3" name="文本占位符 2"/>
-          <p:cNvSpPr/>
+          <p:cNvSpPr>
+            <a:spLocks noGrp="1"/>
+          </p:cNvSpPr>
           <p:nvPr>
             <p:ph type="body" idx="3"/>
           </p:nvPr>
@@ -1066,26 +1112,24 @@
         <p:spPr/>
         <p:txBody>
           <a:bodyPr/>
+          <a:lstStyle/>
           <a:p>
             <a:r>
               <a:rPr lang="zh-CN" altLang="en-US"/>
               <a:t>在1995年时，由Netscape公司的Brendan Eich，在网景导航者浏览器上首次设计实现而成。因为Netscape与Sun合作，Netscape管理层希望它外观看起来像Java，因此取名为JavaScript。但实际上它的语法风格与Self及Scheme较为接近。</a:t>
             </a:r>
-            <a:endParaRPr lang="zh-CN" altLang="en-US"/>
           </a:p>
           <a:p>
             <a:r>
               <a:rPr lang="zh-CN" altLang="en-US"/>
               <a:t>为了取得技术优势，微软推出了JScript，CEnvi推出ScriptEase，与JavaScript同样可在浏览器上运行。为了统一规格，因为JavaScript兼容于ECMA标准，因此也称为ECMAScript。</a:t>
             </a:r>
-            <a:endParaRPr lang="zh-CN" altLang="en-US"/>
           </a:p>
           <a:p>
             <a:r>
               <a:rPr lang="zh-CN" altLang="en-US"/>
               <a:t>发展初期，JavaScript的标准并未确定，同期有Netscape的JavaScript，微软的JScript和CEnvi的ScriptEase三足鼎立。1997年，在ECMA（欧洲计算机制造商协会）的协调下，由Netscape、Sun、微软、Borland组成的工作组确定统一标准：ECMA-262。</a:t>
             </a:r>
-            <a:endParaRPr lang="zh-CN" altLang="en-US"/>
           </a:p>
         </p:txBody>
       </p:sp>
@@ -1106,11 +1150,20 @@
         <p:cNvGrpSpPr/>
         <p:nvPr/>
       </p:nvGrpSpPr>
-      <p:grpSpPr/>
+      <p:grpSpPr>
+        <a:xfrm>
+          <a:off x="0" y="0"/>
+          <a:ext cx="0" cy="0"/>
+          <a:chOff x="0" y="0"/>
+          <a:chExt cx="0" cy="0"/>
+        </a:xfrm>
+      </p:grpSpPr>
       <p:sp>
         <p:nvSpPr>
           <p:cNvPr id="2" name="幻灯片图像占位符 1"/>
-          <p:cNvSpPr/>
+          <p:cNvSpPr>
+            <a:spLocks noGrp="1" noRot="1" noChangeAspect="1"/>
+          </p:cNvSpPr>
           <p:nvPr>
             <p:ph type="sldImg" idx="2"/>
           </p:nvPr>
@@ -1120,7 +1173,9 @@
       <p:sp>
         <p:nvSpPr>
           <p:cNvPr id="3" name="文本占位符 2"/>
-          <p:cNvSpPr/>
+          <p:cNvSpPr>
+            <a:spLocks noGrp="1"/>
+          </p:cNvSpPr>
           <p:nvPr>
             <p:ph type="body" idx="3"/>
           </p:nvPr>
@@ -1128,12 +1183,12 @@
         <p:spPr/>
         <p:txBody>
           <a:bodyPr/>
+          <a:lstStyle/>
           <a:p>
             <a:r>
               <a:rPr lang="zh-CN" altLang="en-US"/>
               <a:t> “编译”和“解释”的确都有“翻译”的意思，它们的区别则在于翻译的时机安排不大一样。打个比方：假如你打算阅读一本外文书，而你不知道 这门外语，那么你可以找一名翻译，给他足够的时间让他从头到尾把整本书翻译好，然后把书的母语版交给你阅读；或者，你也立刻让这名翻译辅助你阅读，让他一 句一句给你翻译，如果你想往回看某个章节，他也得重新给你翻译。</a:t>
             </a:r>
-            <a:endParaRPr lang="zh-CN" altLang="en-US"/>
           </a:p>
         </p:txBody>
       </p:sp>
@@ -1154,11 +1209,20 @@
         <p:cNvGrpSpPr/>
         <p:nvPr/>
       </p:nvGrpSpPr>
-      <p:grpSpPr/>
+      <p:grpSpPr>
+        <a:xfrm>
+          <a:off x="0" y="0"/>
+          <a:ext cx="0" cy="0"/>
+          <a:chOff x="0" y="0"/>
+          <a:chExt cx="0" cy="0"/>
+        </a:xfrm>
+      </p:grpSpPr>
       <p:sp>
         <p:nvSpPr>
           <p:cNvPr id="2" name="幻灯片图像占位符 1"/>
-          <p:cNvSpPr/>
+          <p:cNvSpPr>
+            <a:spLocks noGrp="1" noRot="1" noChangeAspect="1"/>
+          </p:cNvSpPr>
           <p:nvPr>
             <p:ph type="sldImg" idx="2"/>
           </p:nvPr>
@@ -1168,7 +1232,9 @@
       <p:sp>
         <p:nvSpPr>
           <p:cNvPr id="3" name="文本占位符 2"/>
-          <p:cNvSpPr/>
+          <p:cNvSpPr>
+            <a:spLocks noGrp="1"/>
+          </p:cNvSpPr>
           <p:nvPr>
             <p:ph type="body" idx="3"/>
           </p:nvPr>
@@ -1176,6 +1242,7 @@
         <p:spPr/>
         <p:txBody>
           <a:bodyPr/>
+          <a:lstStyle/>
           <a:p>
             <a:r>
               <a:rPr lang="zh-CN" altLang="en-US"/>
@@ -1189,7 +1256,6 @@
               <a:rPr lang="zh-CN" altLang="en-US"/>
               <a:t>标签</a:t>
             </a:r>
-            <a:endParaRPr lang="zh-CN" altLang="en-US"/>
           </a:p>
         </p:txBody>
       </p:sp>
@@ -1266,6 +1332,7 @@
           <a:p>
             <a:fld id="{213957D2-47E7-42AA-84AB-2E7BBFAF7754}" type="slidenum">
               <a:rPr lang="en-US" altLang="zh-CN" smtClean="0"/>
+              <a:t>19</a:t>
             </a:fld>
             <a:endParaRPr lang="zh-CN" altLang="zh-CN"/>
           </a:p>
@@ -1344,6 +1411,7 @@
           <a:p>
             <a:fld id="{213957D2-47E7-42AA-84AB-2E7BBFAF7754}" type="slidenum">
               <a:rPr lang="en-US" altLang="zh-CN" smtClean="0"/>
+              <a:t>20</a:t>
             </a:fld>
             <a:endParaRPr lang="zh-CN" altLang="zh-CN"/>
           </a:p>
@@ -1422,6 +1490,7 @@
           <a:p>
             <a:fld id="{213957D2-47E7-42AA-84AB-2E7BBFAF7754}" type="slidenum">
               <a:rPr lang="en-US" altLang="zh-CN" smtClean="0"/>
+              <a:t>22</a:t>
             </a:fld>
             <a:endParaRPr lang="zh-CN" altLang="zh-CN"/>
           </a:p>
@@ -1514,34 +1583,30 @@
           <a:p>
             <a:pPr lvl="0"/>
             <a:r>
-              <a:rPr lang="zh-CN" altLang="en-US" dirty="0" smtClean="0"/>
+              <a:rPr lang="zh-CN" altLang="en-US" dirty="0"/>
               <a:t>单击此处编辑母版文本样式</a:t>
             </a:r>
-            <a:endParaRPr lang="zh-CN" altLang="en-US" dirty="0" smtClean="0"/>
           </a:p>
           <a:p>
             <a:pPr lvl="1"/>
             <a:r>
-              <a:rPr lang="zh-CN" altLang="en-US" dirty="0" smtClean="0"/>
+              <a:rPr lang="zh-CN" altLang="en-US" dirty="0"/>
               <a:t>第二级</a:t>
             </a:r>
-            <a:endParaRPr lang="zh-CN" altLang="en-US" dirty="0" smtClean="0"/>
           </a:p>
           <a:p>
             <a:pPr lvl="2"/>
             <a:r>
-              <a:rPr lang="zh-CN" altLang="en-US" dirty="0" smtClean="0"/>
+              <a:rPr lang="zh-CN" altLang="en-US" dirty="0"/>
               <a:t>第三级</a:t>
             </a:r>
-            <a:endParaRPr lang="zh-CN" altLang="en-US" dirty="0" smtClean="0"/>
           </a:p>
           <a:p>
             <a:pPr lvl="3"/>
             <a:r>
-              <a:rPr lang="zh-CN" altLang="en-US" dirty="0" smtClean="0"/>
+              <a:rPr lang="zh-CN" altLang="en-US" dirty="0"/>
               <a:t>第四级</a:t>
             </a:r>
-            <a:endParaRPr lang="zh-CN" altLang="en-US" dirty="0" smtClean="0"/>
           </a:p>
         </p:txBody>
       </p:sp>
@@ -1600,10 +1665,9 @@
           <a:p>
             <a:pPr lvl="0"/>
             <a:r>
-              <a:rPr lang="zh-CN" altLang="en-US" dirty="0" smtClean="0"/>
+              <a:rPr lang="zh-CN" altLang="en-US" dirty="0"/>
               <a:t>单击此处编辑母版文本样式</a:t>
             </a:r>
-            <a:endParaRPr lang="zh-CN" altLang="en-US" dirty="0" smtClean="0"/>
           </a:p>
         </p:txBody>
       </p:sp>
@@ -1612,18 +1676,11 @@
   <p:clrMapOvr>
     <a:masterClrMapping/>
   </p:clrMapOvr>
-  <p:timing>
-    <p:tnLst>
-      <p:par>
-        <p:cTn id="1" dur="indefinite" restart="never" nodeType="tmRoot"/>
-      </p:par>
-    </p:tnLst>
-  </p:timing>
 </p:sldLayout>
 </file>
 
 <file path=ppt/slideLayouts/slideLayout2.xml><?xml version="1.0" encoding="utf-8"?>
-<p:sldLayout xmlns:a="http://schemas.openxmlformats.org/drawingml/2006/main" xmlns:r="http://schemas.openxmlformats.org/officeDocument/2006/relationships" xmlns:p="http://schemas.openxmlformats.org/presentationml/2006/main" preserve="1" showMasterSp="0" userDrawn="1">
+<p:sldLayout xmlns:a="http://schemas.openxmlformats.org/drawingml/2006/main" xmlns:r="http://schemas.openxmlformats.org/officeDocument/2006/relationships" xmlns:p="http://schemas.openxmlformats.org/presentationml/2006/main" showMasterSp="0" preserve="1" userDrawn="1">
   <p:cSld name="标题幻灯片">
     <p:spTree>
       <p:nvGrpSpPr>
@@ -1799,10 +1856,9 @@
           <a:p>
             <a:pPr lvl="0"/>
             <a:r>
-              <a:rPr lang="zh-CN" altLang="en-US" dirty="0" smtClean="0"/>
+              <a:rPr lang="zh-CN" altLang="en-US" dirty="0"/>
               <a:t>单击此处编辑母版标题样式</a:t>
             </a:r>
-            <a:endParaRPr lang="zh-CN" altLang="en-US" dirty="0" smtClean="0"/>
           </a:p>
         </p:txBody>
       </p:sp>
@@ -1811,18 +1867,11 @@
   <p:clrMapOvr>
     <a:masterClrMapping/>
   </p:clrMapOvr>
-  <p:timing>
-    <p:tnLst>
-      <p:par>
-        <p:cTn id="1" dur="indefinite" restart="never" nodeType="tmRoot"/>
-      </p:par>
-    </p:tnLst>
-  </p:timing>
 </p:sldLayout>
 </file>
 
 <file path=ppt/slideLayouts/slideLayout3.xml><?xml version="1.0" encoding="utf-8"?>
-<p:sldLayout xmlns:a="http://schemas.openxmlformats.org/drawingml/2006/main" xmlns:r="http://schemas.openxmlformats.org/officeDocument/2006/relationships" xmlns:p="http://schemas.openxmlformats.org/presentationml/2006/main" preserve="1" showMasterSp="0" userDrawn="1">
+<p:sldLayout xmlns:a="http://schemas.openxmlformats.org/drawingml/2006/main" xmlns:r="http://schemas.openxmlformats.org/officeDocument/2006/relationships" xmlns:p="http://schemas.openxmlformats.org/presentationml/2006/main" showMasterSp="0" preserve="1" userDrawn="1">
   <p:cSld name="标题和内容">
     <p:spTree>
       <p:nvGrpSpPr>
@@ -1967,6 +2016,7 @@
           <a:p>
             <a:fld id="{FC7FE9FD-FE3D-4406-A73E-D8B78E9DA5DB}" type="slidenum">
               <a:rPr lang="en-US" altLang="zh-CN"/>
+              <a:t>‹#›</a:t>
             </a:fld>
             <a:endParaRPr lang="zh-CN" altLang="zh-CN" sz="3200" b="0"/>
           </a:p>
@@ -1977,13 +2027,6 @@
   <p:clrMapOvr>
     <a:masterClrMapping/>
   </p:clrMapOvr>
-  <p:timing>
-    <p:tnLst>
-      <p:par>
-        <p:cTn id="1" dur="indefinite" restart="never" nodeType="tmRoot"/>
-      </p:par>
-    </p:tnLst>
-  </p:timing>
 </p:sldLayout>
 </file>
 
@@ -2025,6 +2068,7 @@
           <a:p>
             <a:fld id="{A2CDF739-6C9F-4370-88D1-537F9935D7A1}" type="slidenum">
               <a:rPr lang="en-US" altLang="zh-CN"/>
+              <a:t>‹#›</a:t>
             </a:fld>
             <a:endParaRPr lang="zh-CN" altLang="zh-CN" sz="3200" b="0"/>
           </a:p>
@@ -2035,13 +2079,6 @@
   <p:clrMapOvr>
     <a:masterClrMapping/>
   </p:clrMapOvr>
-  <p:timing>
-    <p:tnLst>
-      <p:par>
-        <p:cTn id="1" dur="indefinite" restart="never" nodeType="tmRoot"/>
-      </p:par>
-    </p:tnLst>
-  </p:timing>
 </p:sldLayout>
 </file>
 
@@ -2051,7 +2088,7 @@
     <p:bg bwMode="auto">
       <p:bgPr>
         <a:blipFill dpi="0" rotWithShape="0">
-          <a:blip r:embed="rId5"/>
+          <a:blip r:embed="rId6"/>
           <a:srcRect/>
           <a:stretch>
             <a:fillRect/>
@@ -2110,6 +2147,7 @@
           <a:p>
             <a:fld id="{52FA1326-1EDF-4B1E-B902-E14CC7B4589A}" type="slidenum">
               <a:rPr lang="en-US" altLang="zh-CN"/>
+              <a:t>‹#›</a:t>
             </a:fld>
             <a:endParaRPr lang="zh-CN" altLang="zh-CN"/>
           </a:p>
@@ -2124,7 +2162,7 @@
           <p:nvPr userDrawn="1"/>
         </p:nvPicPr>
         <p:blipFill>
-          <a:blip r:embed="rId6">
+          <a:blip r:embed="rId7">
             <a:extLst>
               <a:ext uri="{28A0092B-C50C-407E-A947-70E740481C1C}">
                 <a14:useLocalDpi xmlns:a14="http://schemas.microsoft.com/office/drawing/2010/main" val="0"/>
@@ -2178,7 +2216,7 @@
           <p:nvPr userDrawn="1"/>
         </p:nvPicPr>
         <p:blipFill>
-          <a:blip r:embed="rId7">
+          <a:blip r:embed="rId8">
             <a:extLst>
               <a:ext uri="{28A0092B-C50C-407E-A947-70E740481C1C}">
                 <a14:useLocalDpi xmlns:a14="http://schemas.microsoft.com/office/drawing/2010/main" val="0"/>
@@ -2271,10 +2309,9 @@
           <a:p>
             <a:pPr lvl="0"/>
             <a:r>
-              <a:rPr lang="zh-CN" altLang="en-US" dirty="0" smtClean="0"/>
+              <a:rPr lang="zh-CN" altLang="en-US" dirty="0"/>
               <a:t>单击此处编辑母版标题样式</a:t>
             </a:r>
-            <a:endParaRPr lang="zh-CN" altLang="en-US" dirty="0" smtClean="0"/>
           </a:p>
         </p:txBody>
       </p:sp>
@@ -2287,13 +2324,6 @@
     <p:sldLayoutId id="2147483651" r:id="rId3"/>
     <p:sldLayoutId id="2147483652" r:id="rId4"/>
   </p:sldLayoutIdLst>
-  <p:timing>
-    <p:tnLst>
-      <p:par>
-        <p:cTn id="1" dur="indefinite" restart="never" nodeType="tmRoot"/>
-      </p:par>
-    </p:tnLst>
-  </p:timing>
   <p:txStyles>
     <p:titleStyle>
       <a:lvl1pPr algn="l" rtl="0" eaLnBrk="0" fontAlgn="base" hangingPunct="0">
@@ -2741,7 +2771,7 @@
           <p:nvPr/>
         </p:nvPicPr>
         <p:blipFill>
-          <a:blip r:embed="rId1">
+          <a:blip r:embed="rId2">
             <a:extLst>
               <a:ext uri="{28A0092B-C50C-407E-A947-70E740481C1C}">
                 <a14:useLocalDpi xmlns:a14="http://schemas.microsoft.com/office/drawing/2010/main" val="0"/>
@@ -2823,11 +2853,6 @@
               </a:rPr>
               <a:t>进阶</a:t>
             </a:r>
-            <a:endParaRPr kumimoji="0" lang="zh-CN" altLang="en-US" sz="4800" b="1" dirty="0">
-              <a:solidFill>
-                <a:schemeClr val="tx2"/>
-              </a:solidFill>
-            </a:endParaRPr>
           </a:p>
         </p:txBody>
       </p:sp>
@@ -2840,7 +2865,7 @@
           <p:nvPr/>
         </p:nvPicPr>
         <p:blipFill>
-          <a:blip r:embed="rId2">
+          <a:blip r:embed="rId3">
             <a:extLst>
               <a:ext uri="{28A0092B-C50C-407E-A947-70E740481C1C}">
                 <a14:useLocalDpi xmlns:a14="http://schemas.microsoft.com/office/drawing/2010/main" val="0"/>
@@ -2891,13 +2916,6 @@
     <a:masterClrMapping/>
   </p:clrMapOvr>
   <p:transition advClick="0"/>
-  <p:timing>
-    <p:tnLst>
-      <p:par>
-        <p:cTn id="1" dur="indefinite" restart="never" nodeType="tmRoot"/>
-      </p:par>
-    </p:tnLst>
-  </p:timing>
 </p:sld>
 </file>
 
@@ -2937,7 +2955,6 @@
               <a:rPr lang="zh-CN" altLang="en-US" dirty="0"/>
               <a:t>课程资料</a:t>
             </a:r>
-            <a:endParaRPr lang="zh-CN" altLang="en-US" dirty="0"/>
           </a:p>
           <a:p>
             <a:endParaRPr lang="zh-CN" altLang="en-US" dirty="0"/>
@@ -2947,7 +2964,9 @@
       <p:sp>
         <p:nvSpPr>
           <p:cNvPr id="5" name="内容占位符 4"/>
-          <p:cNvSpPr/>
+          <p:cNvSpPr>
+            <a:spLocks noGrp="1"/>
+          </p:cNvSpPr>
           <p:nvPr>
             <p:ph sz="quarter" idx="10"/>
           </p:nvPr>
@@ -2960,6 +2979,7 @@
         </p:spPr>
         <p:txBody>
           <a:bodyPr/>
+          <a:lstStyle/>
           <a:p>
             <a:r>
               <a:rPr lang="zh-CN" altLang="en-US" sz="3200">
@@ -3009,11 +3029,6 @@
               </a:rPr>
               <a:t>的使用，创建自己学习仓库</a:t>
             </a:r>
-            <a:endParaRPr lang="zh-CN" altLang="en-US" sz="3200">
-              <a:solidFill>
-                <a:schemeClr val="accent3"/>
-              </a:solidFill>
-            </a:endParaRPr>
           </a:p>
           <a:p>
             <a:r>
@@ -3039,11 +3054,6 @@
               </a:rPr>
               <a:t>https://github.com/edu2act/course-javascript-advanced</a:t>
             </a:r>
-            <a:endParaRPr lang="zh-CN" altLang="en-US" sz="2200">
-              <a:solidFill>
-                <a:srgbClr val="FF0000"/>
-              </a:solidFill>
-            </a:endParaRPr>
           </a:p>
           <a:p>
             <a:r>
@@ -3084,11 +3094,6 @@
               </a:rPr>
               <a:t>http://www.codefordream.com</a:t>
             </a:r>
-            <a:endParaRPr lang="en-US" altLang="zh-CN" sz="2200">
-              <a:solidFill>
-                <a:schemeClr val="tx1"/>
-              </a:solidFill>
-            </a:endParaRPr>
           </a:p>
           <a:p>
             <a:r>
@@ -3114,11 +3119,6 @@
               </a:rPr>
               <a:t>http://www.edu2act.cn</a:t>
             </a:r>
-            <a:endParaRPr lang="en-US" altLang="zh-CN" sz="2200">
-              <a:solidFill>
-                <a:schemeClr val="tx1"/>
-              </a:solidFill>
-            </a:endParaRPr>
           </a:p>
         </p:txBody>
       </p:sp>
@@ -3142,6 +3142,7 @@
           <a:bodyPr wrap="square" rtlCol="0">
             <a:spAutoFit/>
           </a:bodyPr>
+          <a:lstStyle/>
           <a:p>
             <a:pPr algn="l"/>
             <a:r>
@@ -3162,25 +3163,8 @@
                 <a:latin typeface="+mn-ea"/>
                 <a:ea typeface="+mn-ea"/>
               </a:rPr>
-              <a:t>参考：</a:t>
-            </a:r>
-            <a:r>
-              <a:rPr lang="zh-CN" altLang="en-US" sz="2200">
-                <a:solidFill>
-                  <a:srgbClr val="FF0000"/>
-                </a:solidFill>
-                <a:latin typeface="+mn-ea"/>
-                <a:ea typeface="+mn-ea"/>
-              </a:rPr>
-              <a:t>https://backlog.com/git-tutorial/cn/</a:t>
-            </a:r>
-            <a:endParaRPr lang="zh-CN" altLang="en-US" sz="2200">
-              <a:solidFill>
-                <a:srgbClr val="FF0000"/>
-              </a:solidFill>
-              <a:latin typeface="+mn-ea"/>
-              <a:ea typeface="+mn-ea"/>
-            </a:endParaRPr>
+              <a:t>参考：https://backlog.com/git-tutorial/cn/</a:t>
+            </a:r>
           </a:p>
         </p:txBody>
       </p:sp>
@@ -3189,13 +3173,6 @@
   <p:clrMapOvr>
     <a:masterClrMapping/>
   </p:clrMapOvr>
-  <p:timing>
-    <p:tnLst>
-      <p:par>
-        <p:cTn id="1" dur="indefinite" restart="never" nodeType="tmRoot"/>
-      </p:par>
-    </p:tnLst>
-  </p:timing>
 </p:sld>
 </file>
 
@@ -3235,7 +3212,6 @@
               <a:rPr lang="zh-CN" altLang="en-US" dirty="0"/>
               <a:t>课程考核及课程资料</a:t>
             </a:r>
-            <a:endParaRPr lang="zh-CN" altLang="en-US" dirty="0"/>
           </a:p>
           <a:p>
             <a:endParaRPr lang="zh-CN" altLang="en-US" dirty="0"/>
@@ -3245,7 +3221,9 @@
       <p:sp>
         <p:nvSpPr>
           <p:cNvPr id="5" name="内容占位符 4"/>
-          <p:cNvSpPr/>
+          <p:cNvSpPr>
+            <a:spLocks noGrp="1"/>
+          </p:cNvSpPr>
           <p:nvPr>
             <p:ph sz="quarter" idx="10"/>
           </p:nvPr>
@@ -3258,6 +3236,7 @@
         </p:spPr>
         <p:txBody>
           <a:bodyPr/>
+          <a:lstStyle/>
           <a:p>
             <a:r>
               <a:rPr lang="zh-CN" altLang="en-US" sz="3200">
@@ -3275,11 +3254,6 @@
               </a:rPr>
               <a:t>（考勤、学习状态、学习代码仓库）</a:t>
             </a:r>
-            <a:endParaRPr lang="zh-CN" altLang="en-US" sz="3200">
-              <a:solidFill>
-                <a:schemeClr val="tx1"/>
-              </a:solidFill>
-            </a:endParaRPr>
           </a:p>
           <a:p>
             <a:r>
@@ -3290,11 +3264,6 @@
               </a:rPr>
               <a:t>定期小测</a:t>
             </a:r>
-            <a:endParaRPr lang="zh-CN" altLang="en-US" sz="3200">
-              <a:solidFill>
-                <a:srgbClr val="FF0000"/>
-              </a:solidFill>
-            </a:endParaRPr>
           </a:p>
           <a:p>
             <a:r>
@@ -3313,11 +3282,6 @@
               </a:rPr>
               <a:t>（雪梨任务）</a:t>
             </a:r>
-            <a:endParaRPr lang="zh-CN" altLang="en-US" sz="3200">
-              <a:solidFill>
-                <a:schemeClr val="tx1"/>
-              </a:solidFill>
-            </a:endParaRPr>
           </a:p>
           <a:p>
             <a:r>
@@ -3328,11 +3292,6 @@
               </a:rPr>
               <a:t>期末考试</a:t>
             </a:r>
-            <a:endParaRPr lang="zh-CN" altLang="en-US" sz="3200">
-              <a:solidFill>
-                <a:srgbClr val="FF0000"/>
-              </a:solidFill>
-            </a:endParaRPr>
           </a:p>
         </p:txBody>
       </p:sp>
@@ -3341,13 +3300,6 @@
   <p:clrMapOvr>
     <a:masterClrMapping/>
   </p:clrMapOvr>
-  <p:timing>
-    <p:tnLst>
-      <p:par>
-        <p:cTn id="1" dur="indefinite" restart="never" nodeType="tmRoot"/>
-      </p:par>
-    </p:tnLst>
-  </p:timing>
 </p:sld>
 </file>
 
@@ -3377,7 +3329,7 @@
           <p:nvPr/>
         </p:nvPicPr>
         <p:blipFill>
-          <a:blip r:embed="rId1">
+          <a:blip r:embed="rId2">
             <a:extLst>
               <a:ext uri="{28A0092B-C50C-407E-A947-70E740481C1C}">
                 <a14:useLocalDpi xmlns:a14="http://schemas.microsoft.com/office/drawing/2010/main" val="0"/>
@@ -3512,9 +3464,6 @@
               </a:rPr>
               <a:t>概述</a:t>
             </a:r>
-            <a:endParaRPr lang="zh-CN" altLang="en-US" dirty="0">
-              <a:latin typeface="微软雅黑" panose="020B0503020204020204" pitchFamily="34" charset="-122"/>
-            </a:endParaRPr>
           </a:p>
         </p:txBody>
       </p:sp>
@@ -3527,7 +3476,7 @@
           <p:nvPr/>
         </p:nvPicPr>
         <p:blipFill>
-          <a:blip r:embed="rId2">
+          <a:blip r:embed="rId3">
             <a:extLst>
               <a:ext uri="{28A0092B-C50C-407E-A947-70E740481C1C}">
                 <a14:useLocalDpi xmlns:a14="http://schemas.microsoft.com/office/drawing/2010/main" val="0"/>
@@ -3578,13 +3527,6 @@
     <a:masterClrMapping/>
   </p:clrMapOvr>
   <p:transition advClick="0"/>
-  <p:timing>
-    <p:tnLst>
-      <p:par>
-        <p:cTn id="1" dur="indefinite" restart="never" nodeType="tmRoot"/>
-      </p:par>
-    </p:tnLst>
-  </p:timing>
 </p:sld>
 </file>
 
@@ -3783,11 +3725,6 @@
               </a:rPr>
               <a:t>简介</a:t>
             </a:r>
-            <a:endParaRPr lang="zh-CN" altLang="en-US" sz="2800" b="1">
-              <a:solidFill>
-                <a:srgbClr val="FF0000"/>
-              </a:solidFill>
-            </a:endParaRPr>
           </a:p>
           <a:p>
             <a:pPr>
@@ -4054,7 +3991,7 @@
               <a:buNone/>
             </a:pPr>
             <a:r>
-              <a:rPr kumimoji="0" lang="en-US" altLang="zh-CN" sz="3200" dirty="0" smtClean="0">
+              <a:rPr kumimoji="0" lang="en-US" altLang="zh-CN" sz="3200" dirty="0">
                 <a:solidFill>
                   <a:srgbClr val="C00000"/>
                 </a:solidFill>
@@ -4071,15 +4008,9 @@
               </a:rPr>
               <a:t>概述</a:t>
             </a:r>
-            <a:endParaRPr kumimoji="0" lang="zh-CN" altLang="en-US" sz="3200" dirty="0">
-              <a:solidFill>
-                <a:srgbClr val="C00000"/>
-              </a:solidFill>
-              <a:cs typeface="+mn-cs"/>
-            </a:endParaRPr>
-          </a:p>
-          <a:p>
-            <a:endParaRPr lang="zh-CN" altLang="en-US" kern="0" dirty="0" smtClean="0"/>
+          </a:p>
+          <a:p>
+            <a:endParaRPr lang="zh-CN" altLang="en-US" kern="0" dirty="0"/>
           </a:p>
           <a:p>
             <a:endParaRPr lang="zh-CN" altLang="en-US" kern="0" dirty="0"/>
@@ -4091,13 +4022,6 @@
   <p:clrMapOvr>
     <a:masterClrMapping/>
   </p:clrMapOvr>
-  <p:timing>
-    <p:tnLst>
-      <p:par>
-        <p:cTn id="1" dur="indefinite" restart="never" nodeType="tmRoot"/>
-      </p:par>
-    </p:tnLst>
-  </p:timing>
 </p:sld>
 </file>
 
@@ -4359,12 +4283,6 @@
               </a:rPr>
               <a:t>）</a:t>
             </a:r>
-            <a:endParaRPr kumimoji="0" lang="zh-CN" altLang="en-US" sz="1800" dirty="0">
-              <a:solidFill>
-                <a:schemeClr val="tx1"/>
-              </a:solidFill>
-              <a:sym typeface="+mn-ea"/>
-            </a:endParaRPr>
           </a:p>
           <a:p>
             <a:pPr>
@@ -4515,11 +4433,6 @@
               </a:rPr>
               <a:t>）</a:t>
             </a:r>
-            <a:endParaRPr kumimoji="0" lang="zh-CN" altLang="en-US" sz="1800" dirty="0">
-              <a:solidFill>
-                <a:schemeClr val="tx1"/>
-              </a:solidFill>
-            </a:endParaRPr>
           </a:p>
           <a:p>
             <a:r>
@@ -4570,11 +4483,6 @@
               </a:rPr>
               <a:t>）</a:t>
             </a:r>
-            <a:endParaRPr kumimoji="0" lang="zh-CN" altLang="en-US" dirty="0">
-              <a:solidFill>
-                <a:schemeClr val="tx1"/>
-              </a:solidFill>
-            </a:endParaRPr>
           </a:p>
         </p:txBody>
       </p:sp>
@@ -4606,7 +4514,6 @@
               <a:rPr lang="zh-CN" altLang="en-US" dirty="0"/>
               <a:t>发展历程</a:t>
             </a:r>
-            <a:endParaRPr lang="zh-CN" altLang="en-US" dirty="0"/>
           </a:p>
           <a:p>
             <a:endParaRPr lang="zh-CN" altLang="en-US" dirty="0"/>
@@ -4618,13 +4525,6 @@
   <p:clrMapOvr>
     <a:masterClrMapping/>
   </p:clrMapOvr>
-  <p:timing>
-    <p:tnLst>
-      <p:par>
-        <p:cTn id="1" dur="indefinite" restart="never" nodeType="tmRoot"/>
-      </p:par>
-    </p:tnLst>
-  </p:timing>
 </p:sld>
 </file>
 
@@ -5105,11 +5005,6 @@
               </a:rPr>
               <a:t>概述</a:t>
             </a:r>
-            <a:endParaRPr lang="zh-CN" altLang="en-US" sz="3200" dirty="0">
-              <a:solidFill>
-                <a:srgbClr val="C00000"/>
-              </a:solidFill>
-            </a:endParaRPr>
           </a:p>
         </p:txBody>
       </p:sp>
@@ -5118,13 +5013,6 @@
   <p:clrMapOvr>
     <a:masterClrMapping/>
   </p:clrMapOvr>
-  <p:timing>
-    <p:tnLst>
-      <p:par>
-        <p:cTn id="1" dur="indefinite" restart="never" nodeType="tmRoot"/>
-      </p:par>
-    </p:tnLst>
-  </p:timing>
 </p:sld>
 </file>
 
@@ -5171,7 +5059,7 @@
               </a:lnSpc>
             </a:pPr>
             <a:r>
-              <a:rPr lang="en-US" altLang="zh-CN" dirty="0" smtClean="0">
+              <a:rPr lang="en-US" altLang="zh-CN" dirty="0">
                 <a:solidFill>
                   <a:schemeClr val="tx1"/>
                 </a:solidFill>
@@ -5180,13 +5068,22 @@
               <a:t>JavaScript</a:t>
             </a:r>
             <a:r>
-              <a:rPr lang="zh-CN" altLang="en-US" dirty="0" smtClean="0">
-                <a:solidFill>
-                  <a:schemeClr val="tx1"/>
-                </a:solidFill>
-                <a:sym typeface="+mn-ea"/>
-              </a:rPr>
-              <a:t>是一种直译式脚本语言</a:t>
+              <a:rPr lang="zh-CN" altLang="en-US" dirty="0">
+                <a:solidFill>
+                  <a:schemeClr val="tx1"/>
+                </a:solidFill>
+                <a:sym typeface="+mn-ea"/>
+              </a:rPr>
+              <a:t>是一种</a:t>
+            </a:r>
+            <a:r>
+              <a:rPr lang="zh-CN" altLang="en-US" dirty="0">
+                <a:solidFill>
+                  <a:srgbClr val="92D050"/>
+                </a:solidFill>
+                <a:sym typeface="+mn-ea"/>
+              </a:rPr>
+              <a:t>直译式脚本语言</a:t>
             </a:r>
             <a:br>
               <a:rPr kumimoji="0" lang="zh-CN" altLang="en-US" dirty="0">
@@ -5314,7 +5211,7 @@
               </a:rPr>
               <a:t>，开发效率与运行效率）</a:t>
             </a:r>
-            <a:endParaRPr kumimoji="0" lang="zh-CN" altLang="en-US" sz="1800" dirty="0" smtClean="0">
+            <a:endParaRPr kumimoji="0" lang="zh-CN" altLang="en-US" sz="1800" dirty="0">
               <a:solidFill>
                 <a:schemeClr val="tx1"/>
               </a:solidFill>
@@ -5328,7 +5225,7 @@
               </a:lnSpc>
             </a:pPr>
             <a:r>
-              <a:rPr lang="en-US" altLang="zh-CN" dirty="0" smtClean="0">
+              <a:rPr lang="en-US" altLang="zh-CN" dirty="0">
                 <a:solidFill>
                   <a:schemeClr val="tx1"/>
                 </a:solidFill>
@@ -5337,13 +5234,22 @@
               <a:t>JavaScript</a:t>
             </a:r>
             <a:r>
-              <a:rPr lang="zh-CN" altLang="en-US" dirty="0" smtClean="0">
-                <a:solidFill>
-                  <a:schemeClr val="tx1"/>
-                </a:solidFill>
-                <a:sym typeface="+mn-ea"/>
-              </a:rPr>
-              <a:t>是一种弱类型、动态类型语言</a:t>
+              <a:rPr lang="zh-CN" altLang="en-US" dirty="0">
+                <a:solidFill>
+                  <a:schemeClr val="tx1"/>
+                </a:solidFill>
+                <a:sym typeface="+mn-ea"/>
+              </a:rPr>
+              <a:t>是一种</a:t>
+            </a:r>
+            <a:r>
+              <a:rPr lang="zh-CN" altLang="en-US" dirty="0">
+                <a:solidFill>
+                  <a:srgbClr val="92D050"/>
+                </a:solidFill>
+                <a:sym typeface="+mn-ea"/>
+              </a:rPr>
+              <a:t>弱类型、动态类型语言</a:t>
             </a:r>
             <a:br>
               <a:rPr kumimoji="0" lang="en-US" altLang="zh-CN" sz="1800" dirty="0">
@@ -5433,7 +5339,7 @@
           </a:p>
           <a:p>
             <a:r>
-              <a:rPr lang="en-US" altLang="zh-CN" dirty="0" smtClean="0">
+              <a:rPr lang="en-US" altLang="zh-CN" dirty="0">
                 <a:solidFill>
                   <a:schemeClr val="tx1"/>
                 </a:solidFill>
@@ -5442,7 +5348,7 @@
               <a:t>JavaScript</a:t>
             </a:r>
             <a:r>
-              <a:rPr lang="en-US" altLang="zh-CN" sz="2800" dirty="0" smtClean="0">
+              <a:rPr lang="en-US" altLang="zh-CN" sz="2800" dirty="0">
                 <a:solidFill>
                   <a:schemeClr val="tx1"/>
                 </a:solidFill>
@@ -5450,7 +5356,7 @@
               <a:t>语言的</a:t>
             </a:r>
             <a:r>
-              <a:rPr lang="zh-CN" altLang="en-US" sz="2800" dirty="0" smtClean="0">
+              <a:rPr lang="zh-CN" altLang="en-US" sz="2800" dirty="0">
                 <a:solidFill>
                   <a:schemeClr val="tx1"/>
                 </a:solidFill>
@@ -5458,14 +5364,14 @@
               <a:t>特点</a:t>
             </a:r>
             <a:br>
-              <a:rPr lang="zh-CN" altLang="en-US" sz="1800" dirty="0" smtClean="0">
+              <a:rPr lang="zh-CN" altLang="en-US" sz="1800" dirty="0">
                 <a:solidFill>
                   <a:schemeClr val="tx1"/>
                 </a:solidFill>
               </a:rPr>
             </a:br>
             <a:r>
-              <a:rPr lang="en-US" altLang="zh-CN" sz="1800" dirty="0" smtClean="0">
+              <a:rPr lang="en-US" altLang="zh-CN" sz="1800" dirty="0">
                 <a:solidFill>
                   <a:schemeClr val="tx1"/>
                 </a:solidFill>
@@ -5473,7 +5379,7 @@
               <a:t>- ES5</a:t>
             </a:r>
             <a:r>
-              <a:rPr lang="zh-CN" altLang="en-US" sz="1800" dirty="0" smtClean="0">
+              <a:rPr lang="zh-CN" altLang="en-US" sz="1800" dirty="0">
                 <a:solidFill>
                   <a:schemeClr val="tx1"/>
                 </a:solidFill>
@@ -5482,7 +5388,7 @@
               <a:t>没有块作用域、函数式编程、闭包、基于原型链的继承方式、动态添加属性等</a:t>
             </a:r>
             <a:br>
-              <a:rPr lang="zh-CN" altLang="en-US" sz="1800" dirty="0" smtClean="0">
+              <a:rPr lang="zh-CN" altLang="en-US" sz="1800" dirty="0">
                 <a:solidFill>
                   <a:schemeClr val="tx1"/>
                 </a:solidFill>
@@ -5499,7 +5405,7 @@
               <a:t>- </a:t>
             </a:r>
             <a:r>
-              <a:rPr lang="zh-CN" altLang="en-US" sz="1800" dirty="0" smtClean="0">
+              <a:rPr lang="zh-CN" altLang="en-US" sz="1800" dirty="0">
                 <a:solidFill>
                   <a:schemeClr val="tx1"/>
                 </a:solidFill>
@@ -5508,7 +5414,7 @@
               <a:t>借鉴了</a:t>
             </a:r>
             <a:r>
-              <a:rPr lang="en-US" altLang="zh-CN" sz="1800" dirty="0" smtClean="0">
+              <a:rPr lang="en-US" altLang="zh-CN" sz="1800" dirty="0">
                 <a:solidFill>
                   <a:schemeClr val="tx1"/>
                 </a:solidFill>
@@ -5517,7 +5423,7 @@
               <a:t>Java</a:t>
             </a:r>
             <a:r>
-              <a:rPr lang="zh-CN" altLang="en-US" sz="1800" dirty="0" smtClean="0">
+              <a:rPr lang="zh-CN" altLang="en-US" sz="1800" dirty="0">
                 <a:solidFill>
                   <a:schemeClr val="tx1"/>
                 </a:solidFill>
@@ -5526,7 +5432,7 @@
               <a:t>的语法、</a:t>
             </a:r>
             <a:r>
-              <a:rPr lang="en-US" altLang="zh-CN" sz="1800" dirty="0" smtClean="0">
+              <a:rPr lang="en-US" altLang="zh-CN" sz="1800" dirty="0">
                 <a:solidFill>
                   <a:schemeClr val="tx1"/>
                 </a:solidFill>
@@ -5535,7 +5441,7 @@
               <a:t>Self</a:t>
             </a:r>
             <a:r>
-              <a:rPr lang="zh-CN" altLang="en-US" sz="1800" dirty="0" smtClean="0">
+              <a:rPr lang="zh-CN" altLang="en-US" sz="1800" dirty="0">
                 <a:solidFill>
                   <a:schemeClr val="tx1"/>
                 </a:solidFill>
@@ -5544,7 +5450,7 @@
               <a:t>原型继承、</a:t>
             </a:r>
             <a:r>
-              <a:rPr lang="en-US" altLang="zh-CN" sz="1800" dirty="0" smtClean="0">
+              <a:rPr lang="en-US" altLang="zh-CN" sz="1800" dirty="0">
                 <a:solidFill>
                   <a:schemeClr val="tx1"/>
                 </a:solidFill>
@@ -5553,7 +5459,7 @@
               <a:t>Python</a:t>
             </a:r>
             <a:r>
-              <a:rPr lang="zh-CN" altLang="en-US" sz="1800" dirty="0" smtClean="0">
+              <a:rPr lang="zh-CN" altLang="en-US" sz="1800" dirty="0">
                 <a:solidFill>
                   <a:schemeClr val="tx1"/>
                 </a:solidFill>
@@ -5561,7 +5467,7 @@
               </a:rPr>
               <a:t>的正则等</a:t>
             </a:r>
-            <a:endParaRPr kumimoji="0" lang="zh-CN" altLang="en-US" sz="1800" dirty="0" smtClean="0">
+            <a:endParaRPr kumimoji="0" lang="zh-CN" altLang="en-US" sz="1800" dirty="0">
               <a:solidFill>
                 <a:schemeClr val="tx1"/>
               </a:solidFill>
@@ -5595,7 +5501,6 @@
               <a:rPr lang="zh-CN" altLang="en-US" dirty="0"/>
               <a:t>语言特点</a:t>
             </a:r>
-            <a:endParaRPr lang="zh-CN" altLang="en-US" dirty="0"/>
           </a:p>
           <a:p>
             <a:endParaRPr lang="zh-CN" altLang="en-US" dirty="0"/>
@@ -5622,6 +5527,7 @@
           <a:bodyPr wrap="square" rtlCol="0">
             <a:spAutoFit/>
           </a:bodyPr>
+          <a:lstStyle/>
           <a:p>
             <a:r>
               <a:rPr lang="zh-CN" altLang="en-US" sz="2200">
@@ -5631,11 +5537,6 @@
               </a:rPr>
               <a:t>https://c.runoob.com/</a:t>
             </a:r>
-            <a:endParaRPr lang="zh-CN" altLang="en-US" sz="2200">
-              <a:solidFill>
-                <a:srgbClr val="FF0000"/>
-              </a:solidFill>
-            </a:endParaRPr>
           </a:p>
         </p:txBody>
       </p:sp>
@@ -5659,6 +5560,7 @@
           <a:bodyPr wrap="square" rtlCol="0">
             <a:spAutoFit/>
           </a:bodyPr>
+          <a:lstStyle/>
           <a:p>
             <a:r>
               <a:rPr lang="zh-CN" altLang="en-US" sz="1500">
@@ -5668,11 +5570,6 @@
               </a:rPr>
               <a:t>强弱类型、动态静态类型参考链接：http://www.cnblogs.com/bluestorm/archive/2012/08/28/2660277.html</a:t>
             </a:r>
-            <a:endParaRPr lang="zh-CN" altLang="en-US" sz="1500">
-              <a:solidFill>
-                <a:srgbClr val="FF0000"/>
-              </a:solidFill>
-            </a:endParaRPr>
           </a:p>
         </p:txBody>
       </p:sp>
@@ -5681,13 +5578,6 @@
   <p:clrMapOvr>
     <a:masterClrMapping/>
   </p:clrMapOvr>
-  <p:timing>
-    <p:tnLst>
-      <p:par>
-        <p:cTn id="1" dur="indefinite" restart="never" nodeType="tmRoot"/>
-      </p:par>
-    </p:tnLst>
-  </p:timing>
 </p:sld>
 </file>
 
@@ -6168,11 +6058,6 @@
               </a:rPr>
               <a:t>概述</a:t>
             </a:r>
-            <a:endParaRPr lang="zh-CN" altLang="en-US" sz="3200" dirty="0">
-              <a:solidFill>
-                <a:srgbClr val="C00000"/>
-              </a:solidFill>
-            </a:endParaRPr>
           </a:p>
           <a:p>
             <a:endParaRPr lang="zh-CN" altLang="en-US" kern="0" dirty="0"/>
@@ -6184,13 +6069,6 @@
   <p:clrMapOvr>
     <a:masterClrMapping/>
   </p:clrMapOvr>
-  <p:timing>
-    <p:tnLst>
-      <p:par>
-        <p:cTn id="1" dur="indefinite" restart="never" nodeType="tmRoot"/>
-      </p:par>
-    </p:tnLst>
-  </p:timing>
 </p:sld>
 </file>
 
@@ -6263,11 +6141,6 @@
               </a:rPr>
               <a:t>代码</a:t>
             </a:r>
-            <a:endParaRPr kumimoji="0" lang="zh-CN" altLang="en-US" dirty="0">
-              <a:solidFill>
-                <a:schemeClr val="tx1"/>
-              </a:solidFill>
-            </a:endParaRPr>
           </a:p>
           <a:p>
             <a:r>
@@ -6321,7 +6194,6 @@
               <a:rPr lang="zh-CN" altLang="en-US" dirty="0"/>
               <a:t>用法</a:t>
             </a:r>
-            <a:endParaRPr lang="zh-CN" altLang="en-US" dirty="0"/>
           </a:p>
           <a:p>
             <a:endParaRPr lang="zh-CN" altLang="en-US" dirty="0"/>
@@ -6337,7 +6209,7 @@
           <p:nvPr/>
         </p:nvPicPr>
         <p:blipFill>
-          <a:blip r:embed="rId1"/>
+          <a:blip r:embed="rId3"/>
           <a:stretch>
             <a:fillRect/>
           </a:stretch>
@@ -6372,6 +6244,7 @@
           <a:bodyPr wrap="square" rtlCol="0">
             <a:spAutoFit/>
           </a:bodyPr>
+          <a:lstStyle/>
           <a:p>
             <a:pPr algn="l"/>
             <a:r>
@@ -6414,13 +6287,6 @@
               </a:rPr>
               <a:t>demo03</a:t>
             </a:r>
-            <a:endParaRPr lang="en-US" altLang="zh-CN" sz="2200">
-              <a:solidFill>
-                <a:srgbClr val="FF0000"/>
-              </a:solidFill>
-              <a:latin typeface="+mn-ea"/>
-              <a:ea typeface="+mn-ea"/>
-            </a:endParaRPr>
           </a:p>
         </p:txBody>
       </p:sp>
@@ -6429,13 +6295,6 @@
   <p:clrMapOvr>
     <a:masterClrMapping/>
   </p:clrMapOvr>
-  <p:timing>
-    <p:tnLst>
-      <p:par>
-        <p:cTn id="1" dur="indefinite" restart="never" nodeType="tmRoot"/>
-      </p:par>
-    </p:tnLst>
-  </p:timing>
 </p:sld>
 </file>
 
@@ -6482,18 +6341,13 @@
               </a:lnSpc>
             </a:pPr>
             <a:r>
-              <a:rPr kumimoji="0" lang="zh-CN" altLang="en-US" dirty="0" smtClean="0">
+              <a:rPr kumimoji="0" lang="zh-CN" altLang="en-US" dirty="0">
                 <a:solidFill>
                   <a:schemeClr val="tx1"/>
                 </a:solidFill>
               </a:rPr>
               <a:t>背景、语法</a:t>
             </a:r>
-            <a:endParaRPr kumimoji="0" lang="zh-CN" altLang="en-US" dirty="0" smtClean="0">
-              <a:solidFill>
-                <a:schemeClr val="tx1"/>
-              </a:solidFill>
-            </a:endParaRPr>
           </a:p>
           <a:p>
             <a:pPr>
@@ -6502,18 +6356,13 @@
               </a:lnSpc>
             </a:pPr>
             <a:r>
-              <a:rPr kumimoji="0" lang="zh-CN" altLang="en-US" dirty="0" smtClean="0">
+              <a:rPr kumimoji="0" lang="zh-CN" altLang="en-US" dirty="0">
                 <a:solidFill>
                   <a:schemeClr val="tx1"/>
                 </a:solidFill>
               </a:rPr>
               <a:t>变量和赋值</a:t>
             </a:r>
-            <a:endParaRPr kumimoji="0" lang="zh-CN" altLang="en-US" dirty="0" smtClean="0">
-              <a:solidFill>
-                <a:schemeClr val="tx1"/>
-              </a:solidFill>
-            </a:endParaRPr>
           </a:p>
           <a:p>
             <a:pPr>
@@ -6522,18 +6371,13 @@
               </a:lnSpc>
             </a:pPr>
             <a:r>
-              <a:rPr kumimoji="0" lang="zh-CN" altLang="en-US" dirty="0" smtClean="0">
+              <a:rPr kumimoji="0" lang="zh-CN" altLang="en-US" dirty="0">
                 <a:solidFill>
                   <a:schemeClr val="tx1"/>
                 </a:solidFill>
               </a:rPr>
               <a:t>值、布尔值、数字、运算符、字符串、语句</a:t>
             </a:r>
-            <a:endParaRPr kumimoji="0" lang="zh-CN" altLang="en-US" dirty="0" smtClean="0">
-              <a:solidFill>
-                <a:schemeClr val="tx1"/>
-              </a:solidFill>
-            </a:endParaRPr>
           </a:p>
           <a:p>
             <a:pPr>
@@ -6542,18 +6386,13 @@
               </a:lnSpc>
             </a:pPr>
             <a:r>
-              <a:rPr kumimoji="0" lang="zh-CN" altLang="en-US" dirty="0" smtClean="0">
+              <a:rPr kumimoji="0" lang="zh-CN" altLang="en-US" dirty="0">
                 <a:solidFill>
                   <a:schemeClr val="tx1"/>
                 </a:solidFill>
               </a:rPr>
               <a:t>函数、异常捕获、严格模式</a:t>
             </a:r>
-            <a:endParaRPr kumimoji="0" lang="zh-CN" altLang="en-US" dirty="0" smtClean="0">
-              <a:solidFill>
-                <a:schemeClr val="tx1"/>
-              </a:solidFill>
-            </a:endParaRPr>
           </a:p>
           <a:p>
             <a:pPr>
@@ -6562,18 +6401,13 @@
               </a:lnSpc>
             </a:pPr>
             <a:r>
-              <a:rPr kumimoji="0" lang="zh-CN" altLang="en-US" dirty="0" smtClean="0">
+              <a:rPr kumimoji="0" lang="zh-CN" altLang="en-US" dirty="0">
                 <a:solidFill>
                   <a:schemeClr val="tx1"/>
                 </a:solidFill>
               </a:rPr>
               <a:t>作用域和闭包</a:t>
             </a:r>
-            <a:endParaRPr kumimoji="0" lang="zh-CN" altLang="en-US" dirty="0" smtClean="0">
-              <a:solidFill>
-                <a:schemeClr val="tx1"/>
-              </a:solidFill>
-            </a:endParaRPr>
           </a:p>
           <a:p>
             <a:pPr>
@@ -6582,18 +6416,13 @@
               </a:lnSpc>
             </a:pPr>
             <a:r>
-              <a:rPr kumimoji="0" lang="zh-CN" altLang="en-US" dirty="0" smtClean="0">
+              <a:rPr kumimoji="0" lang="zh-CN" altLang="en-US" dirty="0">
                 <a:solidFill>
                   <a:schemeClr val="tx1"/>
                 </a:solidFill>
               </a:rPr>
               <a:t>对象、构造函数</a:t>
             </a:r>
-            <a:endParaRPr kumimoji="0" lang="zh-CN" altLang="en-US" dirty="0" smtClean="0">
-              <a:solidFill>
-                <a:schemeClr val="tx1"/>
-              </a:solidFill>
-            </a:endParaRPr>
           </a:p>
           <a:p>
             <a:pPr>
@@ -6602,7 +6431,7 @@
               </a:lnSpc>
             </a:pPr>
             <a:r>
-              <a:rPr kumimoji="0" lang="zh-CN" altLang="en-US" dirty="0" smtClean="0">
+              <a:rPr kumimoji="0" lang="zh-CN" altLang="en-US" dirty="0">
                 <a:solidFill>
                   <a:schemeClr val="tx1"/>
                 </a:solidFill>
@@ -6610,18 +6439,13 @@
               <a:t>数组、正则表达式、</a:t>
             </a:r>
             <a:r>
-              <a:rPr kumimoji="0" lang="en-US" altLang="zh-CN" dirty="0" smtClean="0">
+              <a:rPr kumimoji="0" lang="en-US" altLang="zh-CN" dirty="0">
                 <a:solidFill>
                   <a:schemeClr val="tx1"/>
                 </a:solidFill>
               </a:rPr>
               <a:t>Math</a:t>
             </a:r>
-            <a:endParaRPr kumimoji="0" lang="en-US" altLang="zh-CN" dirty="0" smtClean="0">
-              <a:solidFill>
-                <a:schemeClr val="tx1"/>
-              </a:solidFill>
-            </a:endParaRPr>
           </a:p>
           <a:p>
             <a:endParaRPr lang="zh-CN" altLang="en-US" dirty="0"/>
@@ -6694,7 +6518,6 @@
               <a:rPr lang="zh-CN" altLang="en-US" dirty="0"/>
               <a:t>）</a:t>
             </a:r>
-            <a:endParaRPr lang="zh-CN" altLang="en-US" dirty="0"/>
           </a:p>
           <a:p>
             <a:endParaRPr lang="zh-CN" altLang="en-US" dirty="0"/>
@@ -6721,6 +6544,7 @@
           <a:bodyPr wrap="square" rtlCol="0">
             <a:spAutoFit/>
           </a:bodyPr>
+          <a:lstStyle/>
           <a:p>
             <a:pPr algn="l"/>
             <a:r>
@@ -6743,13 +6567,6 @@
               </a:rPr>
               <a:t>demo04</a:t>
             </a:r>
-            <a:endParaRPr lang="en-US" altLang="zh-CN" sz="2200">
-              <a:solidFill>
-                <a:srgbClr val="FF0000"/>
-              </a:solidFill>
-              <a:latin typeface="+mn-ea"/>
-              <a:ea typeface="+mn-ea"/>
-            </a:endParaRPr>
           </a:p>
         </p:txBody>
       </p:sp>
@@ -6773,6 +6590,7 @@
           <a:bodyPr wrap="square" rtlCol="0">
             <a:spAutoFit/>
           </a:bodyPr>
+          <a:lstStyle/>
           <a:p>
             <a:pPr algn="l"/>
             <a:r>
@@ -6795,13 +6613,6 @@
               </a:rPr>
               <a:t>demo05</a:t>
             </a:r>
-            <a:endParaRPr lang="en-US" altLang="zh-CN" sz="2200">
-              <a:solidFill>
-                <a:srgbClr val="FF0000"/>
-              </a:solidFill>
-              <a:latin typeface="+mn-ea"/>
-              <a:ea typeface="+mn-ea"/>
-            </a:endParaRPr>
           </a:p>
         </p:txBody>
       </p:sp>
@@ -6825,6 +6636,7 @@
           <a:bodyPr wrap="square" rtlCol="0">
             <a:spAutoFit/>
           </a:bodyPr>
+          <a:lstStyle/>
           <a:p>
             <a:pPr algn="l"/>
             <a:r>
@@ -6847,13 +6659,6 @@
               </a:rPr>
               <a:t>demo06-11</a:t>
             </a:r>
-            <a:endParaRPr lang="en-US" altLang="zh-CN" sz="2200">
-              <a:solidFill>
-                <a:srgbClr val="FF0000"/>
-              </a:solidFill>
-              <a:latin typeface="+mn-ea"/>
-              <a:ea typeface="+mn-ea"/>
-            </a:endParaRPr>
           </a:p>
         </p:txBody>
       </p:sp>
@@ -6877,6 +6682,7 @@
           <a:bodyPr wrap="square" rtlCol="0">
             <a:spAutoFit/>
           </a:bodyPr>
+          <a:lstStyle/>
           <a:p>
             <a:pPr algn="l"/>
             <a:r>
@@ -6899,13 +6705,6 @@
               </a:rPr>
               <a:t>demo12</a:t>
             </a:r>
-            <a:endParaRPr lang="en-US" altLang="zh-CN" sz="2200">
-              <a:solidFill>
-                <a:srgbClr val="FF0000"/>
-              </a:solidFill>
-              <a:latin typeface="+mn-ea"/>
-              <a:ea typeface="+mn-ea"/>
-            </a:endParaRPr>
           </a:p>
         </p:txBody>
       </p:sp>
@@ -6929,6 +6728,7 @@
           <a:bodyPr wrap="square" rtlCol="0">
             <a:spAutoFit/>
           </a:bodyPr>
+          <a:lstStyle/>
           <a:p>
             <a:pPr algn="l"/>
             <a:r>
@@ -6951,13 +6751,6 @@
               </a:rPr>
               <a:t>demo13</a:t>
             </a:r>
-            <a:endParaRPr lang="en-US" altLang="zh-CN" sz="2200">
-              <a:solidFill>
-                <a:srgbClr val="FF0000"/>
-              </a:solidFill>
-              <a:latin typeface="+mn-ea"/>
-              <a:ea typeface="+mn-ea"/>
-            </a:endParaRPr>
           </a:p>
         </p:txBody>
       </p:sp>
@@ -6981,6 +6774,7 @@
           <a:bodyPr wrap="square" rtlCol="0">
             <a:spAutoFit/>
           </a:bodyPr>
+          <a:lstStyle/>
           <a:p>
             <a:pPr algn="l"/>
             <a:r>
@@ -7003,13 +6797,6 @@
               </a:rPr>
               <a:t>demo14</a:t>
             </a:r>
-            <a:endParaRPr lang="en-US" altLang="zh-CN" sz="2200">
-              <a:solidFill>
-                <a:srgbClr val="FF0000"/>
-              </a:solidFill>
-              <a:latin typeface="+mn-ea"/>
-              <a:ea typeface="+mn-ea"/>
-            </a:endParaRPr>
           </a:p>
         </p:txBody>
       </p:sp>
@@ -7033,6 +6820,7 @@
           <a:bodyPr wrap="square" rtlCol="0">
             <a:spAutoFit/>
           </a:bodyPr>
+          <a:lstStyle/>
           <a:p>
             <a:pPr algn="l"/>
             <a:r>
@@ -7055,13 +6843,6 @@
               </a:rPr>
               <a:t>demo15</a:t>
             </a:r>
-            <a:endParaRPr lang="en-US" altLang="zh-CN" sz="2200">
-              <a:solidFill>
-                <a:srgbClr val="FF0000"/>
-              </a:solidFill>
-              <a:latin typeface="+mn-ea"/>
-              <a:ea typeface="+mn-ea"/>
-            </a:endParaRPr>
           </a:p>
         </p:txBody>
       </p:sp>
@@ -7070,13 +6851,6 @@
   <p:clrMapOvr>
     <a:masterClrMapping/>
   </p:clrMapOvr>
-  <p:timing>
-    <p:tnLst>
-      <p:par>
-        <p:cTn id="1" dur="indefinite" restart="never" nodeType="tmRoot"/>
-      </p:par>
-    </p:tnLst>
-  </p:timing>
 </p:sld>
 </file>
 
@@ -7106,7 +6880,7 @@
           <p:nvPr/>
         </p:nvPicPr>
         <p:blipFill>
-          <a:blip r:embed="rId1">
+          <a:blip r:embed="rId2">
             <a:extLst>
               <a:ext uri="{28A0092B-C50C-407E-A947-70E740481C1C}">
                 <a14:useLocalDpi xmlns:a14="http://schemas.microsoft.com/office/drawing/2010/main" val="0"/>
@@ -7180,11 +6954,6 @@
               </a:rPr>
               <a:t>关于课程</a:t>
             </a:r>
-            <a:endParaRPr kumimoji="0" lang="zh-CN" altLang="en-US" sz="4800" b="1" dirty="0">
-              <a:solidFill>
-                <a:schemeClr val="tx2"/>
-              </a:solidFill>
-            </a:endParaRPr>
           </a:p>
         </p:txBody>
       </p:sp>
@@ -7194,13 +6963,6 @@
     <a:masterClrMapping/>
   </p:clrMapOvr>
   <p:transition advClick="0"/>
-  <p:timing>
-    <p:tnLst>
-      <p:par>
-        <p:cTn id="1" dur="indefinite" restart="never" nodeType="tmRoot"/>
-      </p:par>
-    </p:tnLst>
-  </p:timing>
 </p:sld>
 </file>
 
@@ -7247,7 +7009,7 @@
               </a:lnSpc>
             </a:pPr>
             <a:r>
-              <a:rPr kumimoji="0" lang="en-US" altLang="zh-CN" dirty="0" smtClean="0">
+              <a:rPr kumimoji="0" lang="en-US" altLang="zh-CN" dirty="0">
                 <a:solidFill>
                   <a:schemeClr val="tx1"/>
                 </a:solidFill>
@@ -7255,18 +7017,13 @@
               <a:t>JavaScript</a:t>
             </a:r>
             <a:r>
-              <a:rPr kumimoji="0" lang="zh-CN" altLang="en-US" dirty="0" smtClean="0">
+              <a:rPr kumimoji="0" lang="zh-CN" altLang="en-US" dirty="0">
                 <a:solidFill>
                   <a:schemeClr val="tx1"/>
                 </a:solidFill>
               </a:rPr>
               <a:t>进阶课程介绍</a:t>
             </a:r>
-            <a:endParaRPr kumimoji="0" lang="zh-CN" altLang="en-US" dirty="0" smtClean="0">
-              <a:solidFill>
-                <a:schemeClr val="tx1"/>
-              </a:solidFill>
-            </a:endParaRPr>
           </a:p>
           <a:p>
             <a:pPr>
@@ -7275,7 +7032,7 @@
               </a:lnSpc>
             </a:pPr>
             <a:r>
-              <a:rPr kumimoji="0" lang="en-US" altLang="zh-CN" dirty="0" smtClean="0">
+              <a:rPr kumimoji="0" lang="en-US" altLang="zh-CN" dirty="0">
                 <a:solidFill>
                   <a:schemeClr val="tx1"/>
                 </a:solidFill>
@@ -7283,18 +7040,13 @@
               <a:t>JS</a:t>
             </a:r>
             <a:r>
-              <a:rPr kumimoji="0" lang="zh-CN" altLang="en-US" dirty="0" smtClean="0">
+              <a:rPr kumimoji="0" lang="zh-CN" altLang="en-US" dirty="0">
                 <a:solidFill>
                   <a:schemeClr val="tx1"/>
                 </a:solidFill>
               </a:rPr>
               <a:t>历史背景简介</a:t>
             </a:r>
-            <a:endParaRPr kumimoji="0" lang="zh-CN" altLang="en-US" dirty="0" smtClean="0">
-              <a:solidFill>
-                <a:schemeClr val="tx1"/>
-              </a:solidFill>
-            </a:endParaRPr>
           </a:p>
           <a:p>
             <a:pPr>
@@ -7303,7 +7055,7 @@
               </a:lnSpc>
             </a:pPr>
             <a:r>
-              <a:rPr kumimoji="0" lang="en-US" altLang="zh-CN" dirty="0" smtClean="0">
+              <a:rPr kumimoji="0" lang="en-US" altLang="zh-CN" dirty="0">
                 <a:solidFill>
                   <a:schemeClr val="tx1"/>
                 </a:solidFill>
@@ -7311,18 +7063,13 @@
               <a:t>JS</a:t>
             </a:r>
             <a:r>
-              <a:rPr kumimoji="0" lang="zh-CN" altLang="en-US" dirty="0" smtClean="0">
+              <a:rPr kumimoji="0" lang="zh-CN" altLang="en-US" dirty="0">
                 <a:solidFill>
                   <a:schemeClr val="tx1"/>
                 </a:solidFill>
               </a:rPr>
               <a:t>语言特点（脚本语言、弱类型、动态类型、闭包、原型等）</a:t>
             </a:r>
-            <a:endParaRPr kumimoji="0" lang="zh-CN" altLang="en-US" dirty="0" smtClean="0">
-              <a:solidFill>
-                <a:schemeClr val="tx1"/>
-              </a:solidFill>
-            </a:endParaRPr>
           </a:p>
           <a:p>
             <a:pPr>
@@ -7331,7 +7078,7 @@
               </a:lnSpc>
             </a:pPr>
             <a:r>
-              <a:rPr kumimoji="0" lang="en-US" altLang="zh-CN" dirty="0" smtClean="0">
+              <a:rPr kumimoji="0" lang="en-US" altLang="zh-CN" dirty="0">
                 <a:solidFill>
                   <a:schemeClr val="tx1"/>
                 </a:solidFill>
@@ -7339,18 +7086,13 @@
               <a:t>JS</a:t>
             </a:r>
             <a:r>
-              <a:rPr kumimoji="0" lang="zh-CN" altLang="en-US" dirty="0" smtClean="0">
+              <a:rPr kumimoji="0" lang="zh-CN" altLang="en-US" dirty="0">
                 <a:solidFill>
                   <a:schemeClr val="tx1"/>
                 </a:solidFill>
               </a:rPr>
               <a:t>的使用方式及调试方式</a:t>
             </a:r>
-            <a:endParaRPr kumimoji="0" lang="zh-CN" altLang="en-US" dirty="0" smtClean="0">
-              <a:solidFill>
-                <a:schemeClr val="tx1"/>
-              </a:solidFill>
-            </a:endParaRPr>
           </a:p>
           <a:p>
             <a:pPr>
@@ -7359,7 +7101,7 @@
               </a:lnSpc>
             </a:pPr>
             <a:r>
-              <a:rPr kumimoji="0" lang="en-US" altLang="zh-CN" dirty="0" smtClean="0">
+              <a:rPr kumimoji="0" lang="en-US" altLang="zh-CN" dirty="0">
                 <a:solidFill>
                   <a:schemeClr val="tx1"/>
                 </a:solidFill>
@@ -7367,18 +7109,13 @@
               <a:t>JS</a:t>
             </a:r>
             <a:r>
-              <a:rPr kumimoji="0" lang="zh-CN" altLang="en-US" dirty="0" smtClean="0">
+              <a:rPr kumimoji="0" lang="zh-CN" altLang="en-US" dirty="0">
                 <a:solidFill>
                   <a:schemeClr val="tx1"/>
                 </a:solidFill>
               </a:rPr>
               <a:t>基础知识点回顾</a:t>
             </a:r>
-            <a:endParaRPr kumimoji="0" lang="zh-CN" altLang="en-US" dirty="0" smtClean="0">
-              <a:solidFill>
-                <a:schemeClr val="tx1"/>
-              </a:solidFill>
-            </a:endParaRPr>
           </a:p>
           <a:p>
             <a:endParaRPr lang="zh-CN" altLang="en-US" dirty="0"/>
@@ -7404,7 +7141,6 @@
               <a:rPr lang="zh-CN" altLang="en-US" dirty="0"/>
               <a:t>总结</a:t>
             </a:r>
-            <a:endParaRPr lang="zh-CN" altLang="en-US" dirty="0"/>
           </a:p>
           <a:p>
             <a:endParaRPr lang="zh-CN" altLang="en-US" dirty="0"/>
@@ -7416,13 +7152,6 @@
   <p:clrMapOvr>
     <a:masterClrMapping/>
   </p:clrMapOvr>
-  <p:timing>
-    <p:tnLst>
-      <p:par>
-        <p:cTn id="1" dur="indefinite" restart="never" nodeType="tmRoot"/>
-      </p:par>
-    </p:tnLst>
-  </p:timing>
 </p:sld>
 </file>
 
@@ -7452,7 +7181,7 @@
           <p:nvPr/>
         </p:nvPicPr>
         <p:blipFill>
-          <a:blip r:embed="rId1">
+          <a:blip r:embed="rId2">
             <a:extLst>
               <a:ext uri="{28A0092B-C50C-407E-A947-70E740481C1C}">
                 <a14:useLocalDpi xmlns:a14="http://schemas.microsoft.com/office/drawing/2010/main" val="0"/>
@@ -7550,11 +7279,6 @@
               </a:rPr>
               <a:t>！</a:t>
             </a:r>
-            <a:endParaRPr kumimoji="0" lang="zh-CN" altLang="en-US" sz="5400">
-              <a:solidFill>
-                <a:schemeClr val="accent3"/>
-              </a:solidFill>
-            </a:endParaRPr>
           </a:p>
         </p:txBody>
       </p:sp>
@@ -7567,7 +7291,7 @@
           <p:nvPr/>
         </p:nvPicPr>
         <p:blipFill>
-          <a:blip r:embed="rId2">
+          <a:blip r:embed="rId3">
             <a:extLst>
               <a:ext uri="{28A0092B-C50C-407E-A947-70E740481C1C}">
                 <a14:useLocalDpi xmlns:a14="http://schemas.microsoft.com/office/drawing/2010/main" val="0"/>
@@ -7617,13 +7341,6 @@
   <p:clrMapOvr>
     <a:masterClrMapping/>
   </p:clrMapOvr>
-  <p:timing>
-    <p:tnLst>
-      <p:par>
-        <p:cTn id="1" dur="indefinite" restart="never" nodeType="tmRoot"/>
-      </p:par>
-    </p:tnLst>
-  </p:timing>
 </p:sld>
 </file>
 
@@ -7670,7 +7387,7 @@
               </a:lnSpc>
             </a:pPr>
             <a:r>
-              <a:rPr kumimoji="0" lang="zh-CN" altLang="en-US" dirty="0" smtClean="0">
+              <a:rPr kumimoji="0" lang="zh-CN" altLang="en-US" dirty="0">
                 <a:solidFill>
                   <a:schemeClr val="accent3"/>
                 </a:solidFill>
@@ -7678,12 +7395,6 @@
               </a:rPr>
               <a:t>加入雪梨同步课</a:t>
             </a:r>
-            <a:endParaRPr kumimoji="0" lang="zh-CN" altLang="en-US" dirty="0" smtClean="0">
-              <a:solidFill>
-                <a:schemeClr val="accent3"/>
-              </a:solidFill>
-              <a:sym typeface="+mn-ea"/>
-            </a:endParaRPr>
           </a:p>
           <a:p>
             <a:pPr>
@@ -7692,7 +7403,7 @@
               </a:lnSpc>
             </a:pPr>
             <a:r>
-              <a:rPr lang="zh-CN" altLang="en-US" dirty="0" smtClean="0">
+              <a:rPr lang="zh-CN" altLang="en-US" dirty="0">
                 <a:solidFill>
                   <a:srgbClr val="FF0000"/>
                 </a:solidFill>
@@ -7701,7 +7412,7 @@
               <a:t>回顾</a:t>
             </a:r>
             <a:r>
-              <a:rPr lang="en-US" dirty="0" smtClean="0">
+              <a:rPr lang="en-US" dirty="0">
                 <a:solidFill>
                   <a:srgbClr val="FF0000"/>
                 </a:solidFill>
@@ -7710,7 +7421,7 @@
               <a:t>Web2</a:t>
             </a:r>
             <a:r>
-              <a:rPr kumimoji="0" lang="zh-CN" dirty="0" smtClean="0">
+              <a:rPr kumimoji="0" lang="zh-CN" dirty="0">
                 <a:solidFill>
                   <a:srgbClr val="FF0000"/>
                 </a:solidFill>
@@ -7719,7 +7430,7 @@
               <a:t>所学的</a:t>
             </a:r>
             <a:r>
-              <a:rPr kumimoji="0" lang="en-US" altLang="zh-CN" dirty="0" smtClean="0">
+              <a:rPr kumimoji="0" lang="en-US" altLang="zh-CN" dirty="0">
                 <a:solidFill>
                   <a:srgbClr val="FF0000"/>
                 </a:solidFill>
@@ -7728,7 +7439,7 @@
               <a:t>JS</a:t>
             </a:r>
             <a:r>
-              <a:rPr kumimoji="0" lang="zh-CN" altLang="en-US" dirty="0" smtClean="0">
+              <a:rPr kumimoji="0" lang="zh-CN" altLang="en-US" dirty="0">
                 <a:solidFill>
                   <a:srgbClr val="FF0000"/>
                 </a:solidFill>
@@ -7736,12 +7447,6 @@
               </a:rPr>
               <a:t>知识点</a:t>
             </a:r>
-            <a:endParaRPr kumimoji="0" lang="zh-CN" altLang="en-US" dirty="0" smtClean="0">
-              <a:solidFill>
-                <a:srgbClr val="FF0000"/>
-              </a:solidFill>
-              <a:sym typeface="+mn-ea"/>
-            </a:endParaRPr>
           </a:p>
           <a:p>
             <a:pPr>
@@ -7750,7 +7455,7 @@
               </a:lnSpc>
             </a:pPr>
             <a:r>
-              <a:rPr kumimoji="0" lang="zh-CN" altLang="en-US" dirty="0" smtClean="0">
+              <a:rPr kumimoji="0" lang="zh-CN" altLang="en-US" dirty="0">
                 <a:solidFill>
                   <a:srgbClr val="FF0000"/>
                 </a:solidFill>
@@ -7759,7 +7464,7 @@
               <a:t>在</a:t>
             </a:r>
             <a:r>
-              <a:rPr kumimoji="0" lang="en-US" altLang="zh-CN" dirty="0" smtClean="0">
+              <a:rPr kumimoji="0" lang="en-US" altLang="zh-CN" dirty="0">
                 <a:solidFill>
                   <a:srgbClr val="FF0000"/>
                 </a:solidFill>
@@ -7768,7 +7473,7 @@
               <a:t>github</a:t>
             </a:r>
             <a:r>
-              <a:rPr kumimoji="0" lang="zh-CN" altLang="en-US" dirty="0" smtClean="0">
+              <a:rPr kumimoji="0" lang="zh-CN" altLang="en-US" dirty="0">
                 <a:solidFill>
                   <a:srgbClr val="FF0000"/>
                 </a:solidFill>
@@ -7777,7 +7482,7 @@
               <a:t>上创建个人</a:t>
             </a:r>
             <a:r>
-              <a:rPr kumimoji="0" lang="en-US" altLang="zh-CN" dirty="0" smtClean="0">
+              <a:rPr kumimoji="0" lang="en-US" altLang="zh-CN" dirty="0">
                 <a:solidFill>
                   <a:srgbClr val="FF0000"/>
                 </a:solidFill>
@@ -7786,7 +7491,7 @@
               <a:t>JS</a:t>
             </a:r>
             <a:r>
-              <a:rPr kumimoji="0" lang="zh-CN" altLang="en-US" dirty="0" smtClean="0">
+              <a:rPr kumimoji="0" lang="zh-CN" altLang="en-US" dirty="0">
                 <a:solidFill>
                   <a:srgbClr val="FF0000"/>
                 </a:solidFill>
@@ -7795,7 +7500,7 @@
               <a:t>学习仓库（</a:t>
             </a:r>
             <a:r>
-              <a:rPr kumimoji="0" lang="en-US" altLang="zh-CN" dirty="0" smtClean="0">
+              <a:rPr kumimoji="0" lang="en-US" altLang="zh-CN" dirty="0">
                 <a:solidFill>
                   <a:srgbClr val="FF0000"/>
                 </a:solidFill>
@@ -7804,7 +7509,7 @@
               <a:t>JS-advanced-lessons</a:t>
             </a:r>
             <a:r>
-              <a:rPr kumimoji="0" lang="zh-CN" altLang="en-US" dirty="0" smtClean="0">
+              <a:rPr kumimoji="0" lang="zh-CN" altLang="en-US" dirty="0">
                 <a:solidFill>
                   <a:srgbClr val="FF0000"/>
                 </a:solidFill>
@@ -7813,14 +7518,14 @@
               <a:t>）</a:t>
             </a:r>
             <a:br>
-              <a:rPr kumimoji="0" lang="en-US" altLang="zh-CN" dirty="0" smtClean="0">
+              <a:rPr kumimoji="0" lang="en-US" altLang="zh-CN" dirty="0">
                 <a:solidFill>
                   <a:schemeClr val="tx1"/>
                 </a:solidFill>
                 <a:sym typeface="+mn-ea"/>
               </a:rPr>
             </a:br>
-            <a:endParaRPr kumimoji="0" lang="en-US" altLang="zh-CN" dirty="0" smtClean="0">
+            <a:endParaRPr kumimoji="0" lang="en-US" altLang="zh-CN" dirty="0">
               <a:solidFill>
                 <a:schemeClr val="tx1"/>
               </a:solidFill>
@@ -7850,7 +7555,6 @@
               <a:rPr lang="zh-CN" altLang="en-US" dirty="0"/>
               <a:t>作业</a:t>
             </a:r>
-            <a:endParaRPr lang="zh-CN" altLang="en-US" dirty="0"/>
           </a:p>
           <a:p>
             <a:endParaRPr lang="zh-CN" altLang="en-US" dirty="0"/>
@@ -7862,13 +7566,6 @@
   <p:clrMapOvr>
     <a:masterClrMapping/>
   </p:clrMapOvr>
-  <p:timing>
-    <p:tnLst>
-      <p:par>
-        <p:cTn id="1" dur="indefinite" restart="never" nodeType="tmRoot"/>
-      </p:par>
-    </p:tnLst>
-  </p:timing>
 </p:sld>
 </file>
 
@@ -7929,7 +7626,7 @@
           <a:bodyPr vert="horz" wrap="square" lIns="91440" tIns="45720" rIns="91440" bIns="45720" numCol="1" anchor="t" anchorCtr="0" compatLnSpc="1"/>
           <a:lstStyle/>
           <a:p>
-            <a:endParaRPr kumimoji="0" lang="en-US" altLang="zh-CN" dirty="0" smtClean="0">
+            <a:endParaRPr kumimoji="0" lang="en-US" altLang="zh-CN" dirty="0">
               <a:solidFill>
                 <a:schemeClr val="tx1"/>
               </a:solidFill>
@@ -7940,7 +7637,7 @@
               <a:buNone/>
             </a:pPr>
             <a:r>
-              <a:rPr kumimoji="0" lang="en-US" altLang="zh-CN" dirty="0" smtClean="0">
+              <a:rPr kumimoji="0" lang="en-US" altLang="zh-CN" dirty="0">
                 <a:solidFill>
                   <a:schemeClr val="tx1"/>
                 </a:solidFill>
@@ -7948,7 +7645,7 @@
               <a:t>Web</a:t>
             </a:r>
             <a:r>
-              <a:rPr kumimoji="0" lang="zh-CN" altLang="en-US" dirty="0" smtClean="0">
+              <a:rPr kumimoji="0" lang="zh-CN" altLang="en-US" dirty="0">
                 <a:solidFill>
                   <a:schemeClr val="tx1"/>
                 </a:solidFill>
@@ -7956,7 +7653,7 @@
               <a:t>开发（一）：</a:t>
             </a:r>
             <a:r>
-              <a:rPr kumimoji="0" lang="en-US" altLang="zh-CN" dirty="0" smtClean="0">
+              <a:rPr kumimoji="0" lang="en-US" altLang="zh-CN" dirty="0">
                 <a:solidFill>
                   <a:schemeClr val="tx1"/>
                 </a:solidFill>
@@ -7964,7 +7661,7 @@
               <a:t>HTML</a:t>
             </a:r>
             <a:r>
-              <a:rPr kumimoji="0" lang="zh-CN" altLang="en-US" dirty="0" smtClean="0">
+              <a:rPr kumimoji="0" lang="zh-CN" altLang="en-US" dirty="0">
                 <a:solidFill>
                   <a:schemeClr val="tx1"/>
                 </a:solidFill>
@@ -7972,14 +7669,59 @@
               <a:t>、</a:t>
             </a:r>
             <a:r>
-              <a:rPr kumimoji="0" lang="en-US" altLang="zh-CN" dirty="0" smtClean="0">
+              <a:rPr kumimoji="0" lang="en-US" altLang="zh-CN" dirty="0">
                 <a:solidFill>
                   <a:schemeClr val="tx1"/>
                 </a:solidFill>
               </a:rPr>
               <a:t>CSS</a:t>
             </a:r>
-            <a:endParaRPr kumimoji="0" lang="en-US" altLang="zh-CN" dirty="0" smtClean="0">
+          </a:p>
+          <a:p>
+            <a:pPr marL="0" indent="0">
+              <a:buNone/>
+            </a:pPr>
+            <a:r>
+              <a:rPr kumimoji="0" lang="zh-CN" altLang="en-US" dirty="0">
+                <a:solidFill>
+                  <a:schemeClr val="tx1"/>
+                </a:solidFill>
+              </a:rPr>
+              <a:t>Web开发（二）：</a:t>
+            </a:r>
+            <a:r>
+              <a:rPr kumimoji="0" lang="zh-CN" altLang="en-US" dirty="0">
+                <a:solidFill>
+                  <a:schemeClr val="tx2"/>
+                </a:solidFill>
+              </a:rPr>
+              <a:t>J</a:t>
+            </a:r>
+            <a:r>
+              <a:rPr kumimoji="0" lang="en-US" altLang="zh-CN" dirty="0">
+                <a:solidFill>
+                  <a:schemeClr val="tx2"/>
+                </a:solidFill>
+              </a:rPr>
+              <a:t>S</a:t>
+            </a:r>
+            <a:r>
+              <a:rPr kumimoji="0" lang="zh-CN" altLang="en-US" dirty="0">
+                <a:solidFill>
+                  <a:schemeClr val="tx2"/>
+                </a:solidFill>
+              </a:rPr>
+              <a:t>基础</a:t>
+            </a:r>
+            <a:r>
+              <a:rPr kumimoji="0" lang="zh-CN" altLang="en-US" dirty="0">
+                <a:solidFill>
+                  <a:schemeClr val="tx1"/>
+                </a:solidFill>
+              </a:rPr>
+              <a:t>、jQuery</a:t>
+            </a:r>
+            <a:endParaRPr kumimoji="0" lang="en-US" altLang="zh-CN" dirty="0">
               <a:solidFill>
                 <a:schemeClr val="tx1"/>
               </a:solidFill>
@@ -7990,57 +7732,7 @@
               <a:buNone/>
             </a:pPr>
             <a:r>
-              <a:rPr kumimoji="0" lang="zh-CN" altLang="en-US" dirty="0" smtClean="0">
-                <a:solidFill>
-                  <a:schemeClr val="tx1"/>
-                </a:solidFill>
-              </a:rPr>
-              <a:t>Web开发（二）：</a:t>
-            </a:r>
-            <a:r>
-              <a:rPr kumimoji="0" lang="zh-CN" altLang="en-US" dirty="0" smtClean="0">
-                <a:solidFill>
-                  <a:schemeClr val="tx2"/>
-                </a:solidFill>
-              </a:rPr>
-              <a:t>J</a:t>
-            </a:r>
-            <a:r>
-              <a:rPr kumimoji="0" lang="en-US" altLang="zh-CN" dirty="0" smtClean="0">
-                <a:solidFill>
-                  <a:schemeClr val="tx2"/>
-                </a:solidFill>
-              </a:rPr>
-              <a:t>S</a:t>
-            </a:r>
-            <a:r>
-              <a:rPr kumimoji="0" lang="zh-CN" altLang="en-US" dirty="0" smtClean="0">
-                <a:solidFill>
-                  <a:schemeClr val="tx2"/>
-                </a:solidFill>
-              </a:rPr>
-              <a:t>基础</a:t>
-            </a:r>
-            <a:r>
-              <a:rPr kumimoji="0" lang="zh-CN" altLang="en-US" dirty="0" smtClean="0">
-                <a:solidFill>
-                  <a:schemeClr val="tx1"/>
-                </a:solidFill>
-              </a:rPr>
-              <a:t>、jQuery</a:t>
-            </a:r>
-            <a:endParaRPr kumimoji="0" lang="en-US" altLang="zh-CN" dirty="0" smtClean="0">
-              <a:solidFill>
-                <a:schemeClr val="tx1"/>
-              </a:solidFill>
-            </a:endParaRPr>
-          </a:p>
-          <a:p>
-            <a:pPr marL="0" indent="0">
-              <a:buNone/>
-            </a:pPr>
-            <a:r>
-              <a:rPr kumimoji="0" lang="en-US" altLang="zh-CN" dirty="0" smtClean="0">
+              <a:rPr kumimoji="0" lang="en-US" altLang="zh-CN" dirty="0">
                 <a:solidFill>
                   <a:srgbClr val="FF0000"/>
                 </a:solidFill>
@@ -8048,18 +7740,13 @@
               <a:t>JS </a:t>
             </a:r>
             <a:r>
-              <a:rPr kumimoji="0" lang="zh-CN" altLang="en-US" dirty="0" smtClean="0">
+              <a:rPr kumimoji="0" lang="zh-CN" altLang="en-US" dirty="0">
                 <a:solidFill>
                   <a:srgbClr val="FF0000"/>
                 </a:solidFill>
               </a:rPr>
               <a:t>进阶：（基础加深、内容扩展）</a:t>
             </a:r>
-            <a:endParaRPr kumimoji="0" lang="zh-CN" altLang="en-US" dirty="0" smtClean="0">
-              <a:solidFill>
-                <a:srgbClr val="FF0000"/>
-              </a:solidFill>
-            </a:endParaRPr>
           </a:p>
         </p:txBody>
       </p:sp>
@@ -8309,11 +7996,6 @@
               </a:rPr>
               <a:t>开发基础</a:t>
             </a:r>
-            <a:endParaRPr lang="zh-CN" altLang="en-US" b="1" dirty="0">
-              <a:solidFill>
-                <a:srgbClr val="FF0000"/>
-              </a:solidFill>
-            </a:endParaRPr>
           </a:p>
         </p:txBody>
       </p:sp>
@@ -8338,14 +8020,13 @@
           <a:lstStyle/>
           <a:p>
             <a:r>
-              <a:rPr lang="en-US" altLang="zh-CN" dirty="0" smtClean="0"/>
+              <a:rPr lang="en-US" altLang="zh-CN" dirty="0"/>
               <a:t>H5</a:t>
             </a:r>
             <a:r>
-              <a:rPr lang="zh-CN" altLang="en-US" dirty="0" smtClean="0"/>
+              <a:rPr lang="zh-CN" altLang="en-US" dirty="0"/>
               <a:t>方向课程体系介绍</a:t>
             </a:r>
-            <a:endParaRPr lang="zh-CN" altLang="en-US" dirty="0"/>
           </a:p>
         </p:txBody>
       </p:sp>
@@ -9229,7 +8910,6 @@
               <a:rPr lang="zh-CN" altLang="en-US" dirty="0"/>
               <a:t>）</a:t>
             </a:r>
-            <a:endParaRPr lang="zh-CN" altLang="en-US" dirty="0"/>
           </a:p>
         </p:txBody>
       </p:sp>
@@ -9242,7 +8922,7 @@
           <p:nvPr/>
         </p:nvPicPr>
         <p:blipFill>
-          <a:blip r:embed="rId1"/>
+          <a:blip r:embed="rId3"/>
           <a:srcRect/>
           <a:stretch>
             <a:fillRect/>
@@ -9617,17 +9297,18 @@
           <a:lstStyle/>
           <a:p>
             <a:r>
-              <a:rPr lang="zh-CN" altLang="en-US" dirty="0" smtClean="0"/>
+              <a:rPr lang="zh-CN" altLang="en-US" dirty="0"/>
               <a:t>本课的课内容</a:t>
             </a:r>
-            <a:endParaRPr lang="zh-CN" altLang="en-US" dirty="0"/>
           </a:p>
         </p:txBody>
       </p:sp>
       <p:sp>
         <p:nvSpPr>
           <p:cNvPr id="9" name="内容占位符 8"/>
-          <p:cNvSpPr/>
+          <p:cNvSpPr>
+            <a:spLocks noGrp="1"/>
+          </p:cNvSpPr>
           <p:nvPr>
             <p:ph sz="quarter" idx="10"/>
           </p:nvPr>
@@ -9640,6 +9321,7 @@
         </p:spPr>
         <p:txBody>
           <a:bodyPr/>
+          <a:lstStyle/>
           <a:p>
             <a:r>
               <a:rPr lang="en-US" altLang="zh-CN" sz="3200">
@@ -9911,12 +9593,6 @@
               </a:rPr>
               <a:t>等）</a:t>
             </a:r>
-            <a:endParaRPr lang="zh-CN" altLang="en-US" sz="2000">
-              <a:solidFill>
-                <a:schemeClr val="tx1"/>
-              </a:solidFill>
-              <a:sym typeface="+mn-ea"/>
-            </a:endParaRPr>
           </a:p>
           <a:p>
             <a:r>
@@ -10157,13 +9833,6 @@
   <p:clrMapOvr>
     <a:masterClrMapping/>
   </p:clrMapOvr>
-  <p:timing>
-    <p:tnLst>
-      <p:par>
-        <p:cTn id="1" dur="indefinite" restart="never" nodeType="tmRoot"/>
-      </p:par>
-    </p:tnLst>
-  </p:timing>
 </p:sld>
 </file>
 
@@ -10200,7 +9869,7 @@
           <a:lstStyle/>
           <a:p>
             <a:r>
-              <a:rPr lang="zh-CN" altLang="en-US" dirty="0" smtClean="0">
+              <a:rPr lang="zh-CN" altLang="en-US" dirty="0">
                 <a:sym typeface="+mn-ea"/>
               </a:rPr>
               <a:t>本课的课内容</a:t>
@@ -10215,7 +9884,9 @@
       <p:sp>
         <p:nvSpPr>
           <p:cNvPr id="9" name="内容占位符 8"/>
-          <p:cNvSpPr/>
+          <p:cNvSpPr>
+            <a:spLocks noGrp="1"/>
+          </p:cNvSpPr>
           <p:nvPr>
             <p:ph sz="quarter" idx="10"/>
           </p:nvPr>
@@ -10228,6 +9899,7 @@
         </p:spPr>
         <p:txBody>
           <a:bodyPr/>
+          <a:lstStyle/>
           <a:p>
             <a:endParaRPr lang="en-US" sz="3200"/>
           </a:p>
@@ -10245,7 +9917,7 @@
           <p:nvPr/>
         </p:nvPicPr>
         <p:blipFill>
-          <a:blip r:embed="rId1"/>
+          <a:blip r:embed="rId2"/>
           <a:srcRect b="8488"/>
           <a:stretch>
             <a:fillRect/>
@@ -10471,7 +10143,7 @@
                 <a:solidFill>
                   <a:schemeClr val="tx1"/>
                 </a:solidFill>
-                <a:hlinkClick r:id="rId1"/>
+                <a:hlinkClick r:id="rId2"/>
               </a:rPr>
               <a:t>http://es5.github.io/</a:t>
             </a:r>
@@ -10480,7 +10152,7 @@
                 <a:solidFill>
                   <a:schemeClr val="tx1"/>
                 </a:solidFill>
-                <a:hlinkClick r:id="rId1"/>
+                <a:hlinkClick r:id="rId2"/>
               </a:rPr>
             </a:br>
             <a:r>
@@ -10498,17 +10170,10 @@
                   <a:schemeClr val="tx1"/>
                 </a:solidFill>
                 <a:sym typeface="+mn-ea"/>
-                <a:hlinkClick r:id="rId1"/>
+                <a:hlinkClick r:id="rId2"/>
               </a:rPr>
               <a:t>http://www.ecma-international.org/ecma-262/6.0/index.html</a:t>
             </a:r>
-            <a:endParaRPr lang="en-US" altLang="zh-CN" sz="2000" dirty="0">
-              <a:solidFill>
-                <a:schemeClr val="tx1"/>
-              </a:solidFill>
-              <a:sym typeface="+mn-ea"/>
-              <a:hlinkClick r:id="rId1"/>
-            </a:endParaRPr>
           </a:p>
           <a:p>
             <a:pPr eaLnBrk="1" hangingPunct="1">
@@ -10517,7 +10182,7 @@
               </a:lnSpc>
             </a:pPr>
             <a:r>
-              <a:rPr lang="en-US" altLang="zh-CN" dirty="0" smtClean="0">
+              <a:rPr lang="en-US" altLang="zh-CN" dirty="0">
                 <a:solidFill>
                   <a:srgbClr val="FF0000"/>
                 </a:solidFill>
@@ -10526,7 +10191,7 @@
               <a:t>《</a:t>
             </a:r>
             <a:r>
-              <a:rPr lang="zh-CN" altLang="en-US" dirty="0" smtClean="0">
+              <a:rPr lang="zh-CN" altLang="en-US" dirty="0">
                 <a:solidFill>
                   <a:srgbClr val="FF0000"/>
                 </a:solidFill>
@@ -10535,7 +10200,7 @@
               <a:t>深入理解</a:t>
             </a:r>
             <a:r>
-              <a:rPr lang="en-US" altLang="zh-CN" dirty="0" smtClean="0">
+              <a:rPr lang="en-US" altLang="zh-CN" dirty="0">
                 <a:solidFill>
                   <a:srgbClr val="FF0000"/>
                 </a:solidFill>
@@ -10543,12 +10208,6 @@
               </a:rPr>
               <a:t>JavaScript》</a:t>
             </a:r>
-            <a:endParaRPr lang="en-US" altLang="zh-CN" dirty="0" smtClean="0">
-              <a:solidFill>
-                <a:srgbClr val="FF0000"/>
-              </a:solidFill>
-              <a:sym typeface="+mn-ea"/>
-            </a:endParaRPr>
           </a:p>
           <a:p>
             <a:pPr eaLnBrk="1" hangingPunct="1">
@@ -10557,7 +10216,7 @@
               </a:lnSpc>
             </a:pPr>
             <a:r>
-              <a:rPr lang="zh-CN" altLang="zh-CN" dirty="0" smtClean="0">
+              <a:rPr lang="zh-CN" altLang="zh-CN" dirty="0">
                 <a:solidFill>
                   <a:schemeClr val="tx1"/>
                 </a:solidFill>
@@ -10565,7 +10224,7 @@
               <a:t>《</a:t>
             </a:r>
             <a:r>
-              <a:rPr lang="en-US" altLang="zh-CN" dirty="0" smtClean="0">
+              <a:rPr lang="en-US" altLang="zh-CN" dirty="0">
                 <a:solidFill>
                   <a:schemeClr val="tx1"/>
                 </a:solidFill>
@@ -10588,11 +10247,6 @@
               </a:rPr>
               <a:t>》</a:t>
             </a:r>
-            <a:endParaRPr lang="en-US" altLang="zh-CN" dirty="0" smtClean="0">
-              <a:solidFill>
-                <a:schemeClr val="tx1"/>
-              </a:solidFill>
-            </a:endParaRPr>
           </a:p>
           <a:p>
             <a:pPr eaLnBrk="1" hangingPunct="1">
@@ -10601,7 +10255,7 @@
               </a:lnSpc>
             </a:pPr>
             <a:r>
-              <a:rPr lang="zh-CN" altLang="zh-CN" dirty="0" smtClean="0">
+              <a:rPr lang="zh-CN" altLang="zh-CN" dirty="0">
                 <a:solidFill>
                   <a:srgbClr val="FF0000"/>
                 </a:solidFill>
@@ -10610,7 +10264,7 @@
               <a:t>《</a:t>
             </a:r>
             <a:r>
-              <a:rPr lang="zh-CN" altLang="en-US" dirty="0" smtClean="0">
+              <a:rPr lang="zh-CN" altLang="en-US" dirty="0">
                 <a:solidFill>
                   <a:srgbClr val="FF0000"/>
                 </a:solidFill>
@@ -10627,7 +10281,7 @@
               </a:rPr>
               <a:t>》</a:t>
             </a:r>
-            <a:endParaRPr lang="zh-CN" altLang="en-US" dirty="0" smtClean="0">
+            <a:endParaRPr lang="zh-CN" altLang="en-US" dirty="0">
               <a:solidFill>
                 <a:schemeClr val="tx1"/>
               </a:solidFill>
@@ -10672,11 +10326,6 @@
               </a:rPr>
               <a:t>VSCode</a:t>
             </a:r>
-            <a:endParaRPr lang="en-US" altLang="zh-CN" dirty="0">
-              <a:solidFill>
-                <a:schemeClr val="tx1"/>
-              </a:solidFill>
-            </a:endParaRPr>
           </a:p>
         </p:txBody>
       </p:sp>
@@ -10699,7 +10348,6 @@
               <a:rPr lang="zh-CN" altLang="en-US" dirty="0"/>
               <a:t>参考教材及学习工具</a:t>
             </a:r>
-            <a:endParaRPr lang="zh-CN" altLang="en-US" dirty="0"/>
           </a:p>
         </p:txBody>
       </p:sp>
@@ -10712,7 +10360,7 @@
           <p:nvPr/>
         </p:nvPicPr>
         <p:blipFill>
-          <a:blip r:embed="rId2">
+          <a:blip r:embed="rId3">
             <a:extLst>
               <a:ext uri="{28A0092B-C50C-407E-A947-70E740481C1C}">
                 <a14:useLocalDpi xmlns:a14="http://schemas.microsoft.com/office/drawing/2010/main" val="0"/>
@@ -10766,7 +10414,7 @@
           <p:nvPr/>
         </p:nvPicPr>
         <p:blipFill>
-          <a:blip r:embed="rId3"/>
+          <a:blip r:embed="rId4"/>
           <a:srcRect l="13855" t="6774" r="16002" b="7641"/>
           <a:stretch>
             <a:fillRect/>
@@ -10787,13 +10435,6 @@
   <p:clrMapOvr>
     <a:masterClrMapping/>
   </p:clrMapOvr>
-  <p:timing>
-    <p:tnLst>
-      <p:par>
-        <p:cTn id="1" dur="indefinite" restart="never" nodeType="tmRoot"/>
-      </p:par>
-    </p:tnLst>
-  </p:timing>
 </p:sld>
 </file>
 
@@ -10930,7 +10571,6 @@
               <a:rPr lang="zh-CN" altLang="en-US" dirty="0"/>
               <a:t>调试用法一</a:t>
             </a:r>
-            <a:endParaRPr lang="zh-CN" altLang="en-US" dirty="0"/>
           </a:p>
           <a:p>
             <a:endParaRPr lang="zh-CN" altLang="en-US" dirty="0"/>
@@ -10946,7 +10586,7 @@
           <p:nvPr/>
         </p:nvPicPr>
         <p:blipFill>
-          <a:blip r:embed="rId1"/>
+          <a:blip r:embed="rId2"/>
           <a:stretch>
             <a:fillRect/>
           </a:stretch>
@@ -10966,13 +10606,6 @@
   <p:clrMapOvr>
     <a:masterClrMapping/>
   </p:clrMapOvr>
-  <p:timing>
-    <p:tnLst>
-      <p:par>
-        <p:cTn id="1" dur="indefinite" restart="never" nodeType="tmRoot"/>
-      </p:par>
-    </p:tnLst>
-  </p:timing>
 </p:sld>
 </file>
 
@@ -11049,12 +10682,6 @@
               </a:rPr>
               <a:t>等、断点调试）</a:t>
             </a:r>
-            <a:endParaRPr lang="zh-CN" altLang="en-US" dirty="0">
-              <a:solidFill>
-                <a:schemeClr val="tx1"/>
-              </a:solidFill>
-              <a:sym typeface="+mn-ea"/>
-            </a:endParaRPr>
           </a:p>
         </p:txBody>
       </p:sp>
@@ -11081,7 +10708,6 @@
               <a:rPr lang="zh-CN" altLang="en-US" dirty="0"/>
               <a:t>调试用法二</a:t>
             </a:r>
-            <a:endParaRPr lang="zh-CN" altLang="en-US" dirty="0"/>
           </a:p>
           <a:p>
             <a:endParaRPr lang="zh-CN" altLang="en-US" dirty="0"/>
@@ -11097,7 +10723,7 @@
           <p:nvPr/>
         </p:nvPicPr>
         <p:blipFill>
-          <a:blip r:embed="rId1"/>
+          <a:blip r:embed="rId2"/>
           <a:srcRect b="14718"/>
           <a:stretch>
             <a:fillRect/>
@@ -11118,13 +10744,6 @@
   <p:clrMapOvr>
     <a:masterClrMapping/>
   </p:clrMapOvr>
-  <p:timing>
-    <p:tnLst>
-      <p:par>
-        <p:cTn id="1" dur="indefinite" restart="never" nodeType="tmRoot"/>
-      </p:par>
-    </p:tnLst>
-  </p:timing>
 </p:sld>
 </file>
 
@@ -11462,6 +11081,7 @@
       </a:lstStyle>
     </a:lnDef>
   </a:objectDefaults>
+  <a:extraClrSchemeLst/>
   <a:extLst>
     <a:ext uri="{05A4C25C-085E-4340-85A3-A5531E510DB2}">
       <thm15:themeFamily xmlns:thm15="http://schemas.microsoft.com/office/thememl/2012/main" name="Office Theme" id="{62F939B6-93AF-4DB8-9C6B-D6C7DFDC589F}" vid="{4A3C46E8-61CC-4603-A589-7422A47A8E4A}"/>
@@ -11748,6 +11368,8 @@
       </a:bgFillStyleLst>
     </a:fmtScheme>
   </a:themeElements>
+  <a:objectDefaults/>
+  <a:extraClrSchemeLst/>
   <a:extLst>
     <a:ext uri="{05A4C25C-085E-4340-85A3-A5531E510DB2}">
       <thm15:themeFamily xmlns:thm15="http://schemas.microsoft.com/office/thememl/2012/main" name="Office Theme" id="{62F939B6-93AF-4DB8-9C6B-D6C7DFDC589F}" vid="{4A3C46E8-61CC-4603-A589-7422A47A8E4A}"/>
